--- a/Docs/Dummy Variables and ANCOVA Models.pptx
+++ b/Docs/Dummy Variables and ANCOVA Models.pptx
@@ -25,6 +25,21 @@
     <p:sldId id="286" r:id="rId19"/>
     <p:sldId id="287" r:id="rId20"/>
     <p:sldId id="288" r:id="rId21"/>
+    <p:sldId id="289" r:id="rId22"/>
+    <p:sldId id="290" r:id="rId23"/>
+    <p:sldId id="291" r:id="rId24"/>
+    <p:sldId id="292" r:id="rId25"/>
+    <p:sldId id="293" r:id="rId26"/>
+    <p:sldId id="295" r:id="rId27"/>
+    <p:sldId id="294" r:id="rId28"/>
+    <p:sldId id="296" r:id="rId29"/>
+    <p:sldId id="297" r:id="rId30"/>
+    <p:sldId id="298" r:id="rId31"/>
+    <p:sldId id="299" r:id="rId32"/>
+    <p:sldId id="300" r:id="rId33"/>
+    <p:sldId id="301" r:id="rId34"/>
+    <p:sldId id="302" r:id="rId35"/>
+    <p:sldId id="303" r:id="rId36"/>
   </p:sldIdLst>
   <p:sldSz cx="12192000" cy="6858000"/>
   <p:notesSz cx="6858000" cy="9144000"/>
@@ -271,7 +286,7 @@
           <a:p>
             <a:fld id="{5D8468DF-067B-4708-BF4E-888660123DFC}" type="datetimeFigureOut">
               <a:rPr lang="en-US" smtClean="0"/>
-              <a:t>6/18/2021</a:t>
+              <a:t>6/29/2021</a:t>
             </a:fld>
             <a:endParaRPr lang="en-US"/>
           </a:p>
@@ -439,7 +454,7 @@
           <a:p>
             <a:fld id="{5D8468DF-067B-4708-BF4E-888660123DFC}" type="datetimeFigureOut">
               <a:rPr lang="en-US" smtClean="0"/>
-              <a:t>6/18/2021</a:t>
+              <a:t>6/29/2021</a:t>
             </a:fld>
             <a:endParaRPr lang="en-US"/>
           </a:p>
@@ -617,7 +632,7 @@
           <a:p>
             <a:fld id="{5D8468DF-067B-4708-BF4E-888660123DFC}" type="datetimeFigureOut">
               <a:rPr lang="en-US" smtClean="0"/>
-              <a:t>6/18/2021</a:t>
+              <a:t>6/29/2021</a:t>
             </a:fld>
             <a:endParaRPr lang="en-US"/>
           </a:p>
@@ -785,7 +800,7 @@
           <a:p>
             <a:fld id="{5D8468DF-067B-4708-BF4E-888660123DFC}" type="datetimeFigureOut">
               <a:rPr lang="en-US" smtClean="0"/>
-              <a:t>6/18/2021</a:t>
+              <a:t>6/29/2021</a:t>
             </a:fld>
             <a:endParaRPr lang="en-US"/>
           </a:p>
@@ -1030,7 +1045,7 @@
           <a:p>
             <a:fld id="{5D8468DF-067B-4708-BF4E-888660123DFC}" type="datetimeFigureOut">
               <a:rPr lang="en-US" smtClean="0"/>
-              <a:t>6/18/2021</a:t>
+              <a:t>6/29/2021</a:t>
             </a:fld>
             <a:endParaRPr lang="en-US"/>
           </a:p>
@@ -1259,7 +1274,7 @@
           <a:p>
             <a:fld id="{5D8468DF-067B-4708-BF4E-888660123DFC}" type="datetimeFigureOut">
               <a:rPr lang="en-US" smtClean="0"/>
-              <a:t>6/18/2021</a:t>
+              <a:t>6/29/2021</a:t>
             </a:fld>
             <a:endParaRPr lang="en-US"/>
           </a:p>
@@ -1623,7 +1638,7 @@
           <a:p>
             <a:fld id="{5D8468DF-067B-4708-BF4E-888660123DFC}" type="datetimeFigureOut">
               <a:rPr lang="en-US" smtClean="0"/>
-              <a:t>6/18/2021</a:t>
+              <a:t>6/29/2021</a:t>
             </a:fld>
             <a:endParaRPr lang="en-US"/>
           </a:p>
@@ -1740,7 +1755,7 @@
           <a:p>
             <a:fld id="{5D8468DF-067B-4708-BF4E-888660123DFC}" type="datetimeFigureOut">
               <a:rPr lang="en-US" smtClean="0"/>
-              <a:t>6/18/2021</a:t>
+              <a:t>6/29/2021</a:t>
             </a:fld>
             <a:endParaRPr lang="en-US"/>
           </a:p>
@@ -1835,7 +1850,7 @@
           <a:p>
             <a:fld id="{5D8468DF-067B-4708-BF4E-888660123DFC}" type="datetimeFigureOut">
               <a:rPr lang="en-US" smtClean="0"/>
-              <a:t>6/18/2021</a:t>
+              <a:t>6/29/2021</a:t>
             </a:fld>
             <a:endParaRPr lang="en-US"/>
           </a:p>
@@ -2110,7 +2125,7 @@
           <a:p>
             <a:fld id="{5D8468DF-067B-4708-BF4E-888660123DFC}" type="datetimeFigureOut">
               <a:rPr lang="en-US" smtClean="0"/>
-              <a:t>6/18/2021</a:t>
+              <a:t>6/29/2021</a:t>
             </a:fld>
             <a:endParaRPr lang="en-US"/>
           </a:p>
@@ -2362,7 +2377,7 @@
           <a:p>
             <a:fld id="{5D8468DF-067B-4708-BF4E-888660123DFC}" type="datetimeFigureOut">
               <a:rPr lang="en-US" smtClean="0"/>
-              <a:t>6/18/2021</a:t>
+              <a:t>6/29/2021</a:t>
             </a:fld>
             <a:endParaRPr lang="en-US"/>
           </a:p>
@@ -2573,7 +2588,7 @@
           <a:p>
             <a:fld id="{5D8468DF-067B-4708-BF4E-888660123DFC}" type="datetimeFigureOut">
               <a:rPr lang="en-US" smtClean="0"/>
-              <a:t>6/18/2021</a:t>
+              <a:t>6/29/2021</a:t>
             </a:fld>
             <a:endParaRPr lang="en-US"/>
           </a:p>
@@ -4510,6 +4525,1370 @@
 </p:sld>
 </file>
 
+<file path=ppt/slides/slide21.xml><?xml version="1.0" encoding="utf-8"?>
+<p:sld xmlns:a="http://schemas.openxmlformats.org/drawingml/2006/main" xmlns:r="http://schemas.openxmlformats.org/officeDocument/2006/relationships" xmlns:p="http://schemas.openxmlformats.org/presentationml/2006/main">
+  <p:cSld>
+    <p:bg>
+      <p:bgPr>
+        <a:gradFill>
+          <a:gsLst>
+            <a:gs pos="0">
+              <a:schemeClr val="accent1">
+                <a:lumMod val="5000"/>
+                <a:lumOff val="95000"/>
+              </a:schemeClr>
+            </a:gs>
+            <a:gs pos="74000">
+              <a:schemeClr val="accent1">
+                <a:lumMod val="45000"/>
+                <a:lumOff val="55000"/>
+              </a:schemeClr>
+            </a:gs>
+            <a:gs pos="83000">
+              <a:schemeClr val="accent1">
+                <a:lumMod val="45000"/>
+                <a:lumOff val="55000"/>
+              </a:schemeClr>
+            </a:gs>
+            <a:gs pos="100000">
+              <a:schemeClr val="accent1">
+                <a:lumMod val="30000"/>
+                <a:lumOff val="70000"/>
+              </a:schemeClr>
+            </a:gs>
+          </a:gsLst>
+          <a:lin ang="5400000" scaled="1"/>
+        </a:gradFill>
+        <a:effectLst/>
+      </p:bgPr>
+    </p:bg>
+    <p:spTree>
+      <p:nvGrpSpPr>
+        <p:cNvPr id="1" name=""/>
+        <p:cNvGrpSpPr/>
+        <p:nvPr/>
+      </p:nvGrpSpPr>
+      <p:grpSpPr>
+        <a:xfrm>
+          <a:off x="0" y="0"/>
+          <a:ext cx="0" cy="0"/>
+          <a:chOff x="0" y="0"/>
+          <a:chExt cx="0" cy="0"/>
+        </a:xfrm>
+      </p:grpSpPr>
+      <p:sp>
+        <p:nvSpPr>
+          <p:cNvPr id="4" name="Title 3"/>
+          <p:cNvSpPr>
+            <a:spLocks noGrp="1"/>
+          </p:cNvSpPr>
+          <p:nvPr>
+            <p:ph type="title"/>
+          </p:nvPr>
+        </p:nvSpPr>
+        <p:spPr/>
+        <p:txBody>
+          <a:bodyPr/>
+          <a:lstStyle/>
+          <a:p>
+            <a:r>
+              <a:rPr lang="en-US" dirty="0"/>
+              <a:t>ANCOVA Models</a:t>
+            </a:r>
+          </a:p>
+        </p:txBody>
+      </p:sp>
+      <p:pic>
+        <p:nvPicPr>
+          <p:cNvPr id="5" name="Picture 4">
+            <a:extLst>
+              <a:ext uri="{FF2B5EF4-FFF2-40B4-BE49-F238E27FC236}">
+                <a16:creationId xmlns:a16="http://schemas.microsoft.com/office/drawing/2014/main" id="{00AA854E-59F0-4120-B614-1E4EA612CF62}"/>
+              </a:ext>
+            </a:extLst>
+          </p:cNvPr>
+          <p:cNvPicPr>
+            <a:picLocks noChangeAspect="1"/>
+          </p:cNvPicPr>
+          <p:nvPr/>
+        </p:nvPicPr>
+        <p:blipFill>
+          <a:blip r:embed="rId2"/>
+          <a:stretch>
+            <a:fillRect/>
+          </a:stretch>
+        </p:blipFill>
+        <p:spPr>
+          <a:xfrm>
+            <a:off x="959491" y="1734462"/>
+            <a:ext cx="8476339" cy="3664389"/>
+          </a:xfrm>
+          <a:prstGeom prst="rect">
+            <a:avLst/>
+          </a:prstGeom>
+        </p:spPr>
+      </p:pic>
+    </p:spTree>
+    <p:extLst>
+      <p:ext uri="{BB962C8B-B14F-4D97-AF65-F5344CB8AC3E}">
+        <p14:creationId xmlns:p14="http://schemas.microsoft.com/office/powerpoint/2010/main" val="2279110084"/>
+      </p:ext>
+    </p:extLst>
+  </p:cSld>
+  <p:clrMapOvr>
+    <a:masterClrMapping/>
+  </p:clrMapOvr>
+</p:sld>
+</file>
+
+<file path=ppt/slides/slide22.xml><?xml version="1.0" encoding="utf-8"?>
+<p:sld xmlns:a="http://schemas.openxmlformats.org/drawingml/2006/main" xmlns:r="http://schemas.openxmlformats.org/officeDocument/2006/relationships" xmlns:p="http://schemas.openxmlformats.org/presentationml/2006/main">
+  <p:cSld>
+    <p:bg>
+      <p:bgPr>
+        <a:gradFill>
+          <a:gsLst>
+            <a:gs pos="0">
+              <a:schemeClr val="accent1">
+                <a:lumMod val="5000"/>
+                <a:lumOff val="95000"/>
+              </a:schemeClr>
+            </a:gs>
+            <a:gs pos="74000">
+              <a:schemeClr val="accent1">
+                <a:lumMod val="45000"/>
+                <a:lumOff val="55000"/>
+              </a:schemeClr>
+            </a:gs>
+            <a:gs pos="83000">
+              <a:schemeClr val="accent1">
+                <a:lumMod val="45000"/>
+                <a:lumOff val="55000"/>
+              </a:schemeClr>
+            </a:gs>
+            <a:gs pos="100000">
+              <a:schemeClr val="accent1">
+                <a:lumMod val="30000"/>
+                <a:lumOff val="70000"/>
+              </a:schemeClr>
+            </a:gs>
+          </a:gsLst>
+          <a:lin ang="5400000" scaled="1"/>
+        </a:gradFill>
+        <a:effectLst/>
+      </p:bgPr>
+    </p:bg>
+    <p:spTree>
+      <p:nvGrpSpPr>
+        <p:cNvPr id="1" name=""/>
+        <p:cNvGrpSpPr/>
+        <p:nvPr/>
+      </p:nvGrpSpPr>
+      <p:grpSpPr>
+        <a:xfrm>
+          <a:off x="0" y="0"/>
+          <a:ext cx="0" cy="0"/>
+          <a:chOff x="0" y="0"/>
+          <a:chExt cx="0" cy="0"/>
+        </a:xfrm>
+      </p:grpSpPr>
+      <p:sp>
+        <p:nvSpPr>
+          <p:cNvPr id="4" name="Title 3"/>
+          <p:cNvSpPr>
+            <a:spLocks noGrp="1"/>
+          </p:cNvSpPr>
+          <p:nvPr>
+            <p:ph type="title"/>
+          </p:nvPr>
+        </p:nvSpPr>
+        <p:spPr/>
+        <p:txBody>
+          <a:bodyPr/>
+          <a:lstStyle/>
+          <a:p>
+            <a:r>
+              <a:rPr lang="en-US" dirty="0"/>
+              <a:t>ANCOVA Models</a:t>
+            </a:r>
+          </a:p>
+        </p:txBody>
+      </p:sp>
+      <p:pic>
+        <p:nvPicPr>
+          <p:cNvPr id="3" name="Picture 2">
+            <a:extLst>
+              <a:ext uri="{FF2B5EF4-FFF2-40B4-BE49-F238E27FC236}">
+                <a16:creationId xmlns:a16="http://schemas.microsoft.com/office/drawing/2014/main" id="{76AFFA0A-5291-4DF7-8DBE-C9BC024293D3}"/>
+              </a:ext>
+            </a:extLst>
+          </p:cNvPr>
+          <p:cNvPicPr>
+            <a:picLocks noChangeAspect="1"/>
+          </p:cNvPicPr>
+          <p:nvPr/>
+        </p:nvPicPr>
+        <p:blipFill>
+          <a:blip r:embed="rId2"/>
+          <a:stretch>
+            <a:fillRect/>
+          </a:stretch>
+        </p:blipFill>
+        <p:spPr>
+          <a:xfrm>
+            <a:off x="526915" y="1846329"/>
+            <a:ext cx="5475051" cy="3727619"/>
+          </a:xfrm>
+          <a:prstGeom prst="rect">
+            <a:avLst/>
+          </a:prstGeom>
+        </p:spPr>
+      </p:pic>
+      <p:sp>
+        <p:nvSpPr>
+          <p:cNvPr id="7" name="TextBox 6">
+            <a:extLst>
+              <a:ext uri="{FF2B5EF4-FFF2-40B4-BE49-F238E27FC236}">
+                <a16:creationId xmlns:a16="http://schemas.microsoft.com/office/drawing/2014/main" id="{C061893A-88AB-4A07-82AB-BF25B4C56CB2}"/>
+              </a:ext>
+            </a:extLst>
+          </p:cNvPr>
+          <p:cNvSpPr txBox="1"/>
+          <p:nvPr/>
+        </p:nvSpPr>
+        <p:spPr>
+          <a:xfrm>
+            <a:off x="6001966" y="2330412"/>
+            <a:ext cx="6094378" cy="2450094"/>
+          </a:xfrm>
+          <a:prstGeom prst="rect">
+            <a:avLst/>
+          </a:prstGeom>
+          <a:noFill/>
+        </p:spPr>
+        <p:txBody>
+          <a:bodyPr wrap="square">
+            <a:spAutoFit/>
+          </a:bodyPr>
+          <a:lstStyle/>
+          <a:p>
+            <a:pPr marL="342900" lvl="0" indent="-342900">
+              <a:lnSpc>
+                <a:spcPct val="107000"/>
+              </a:lnSpc>
+              <a:buFont typeface="Symbol" panose="05050102010706020507" pitchFamily="18" charset="2"/>
+              <a:buChar char=""/>
+            </a:pPr>
+            <a:r>
+              <a:rPr lang="en-US" sz="1800" dirty="0">
+                <a:effectLst/>
+                <a:latin typeface="Calibri Light" panose="020F0302020204030204" pitchFamily="34" charset="0"/>
+                <a:ea typeface="Calibri" panose="020F0502020204030204" pitchFamily="34" charset="0"/>
+                <a:cs typeface="Times New Roman" panose="02020603050405020304" pitchFamily="18" charset="0"/>
+              </a:rPr>
+              <a:t>The slopes and intercepts for the treatments are equal</a:t>
+            </a:r>
+            <a:endParaRPr lang="en-IN" sz="1400" dirty="0">
+              <a:effectLst/>
+              <a:latin typeface="Calibri" panose="020F0502020204030204" pitchFamily="34" charset="0"/>
+              <a:ea typeface="Calibri" panose="020F0502020204030204" pitchFamily="34" charset="0"/>
+              <a:cs typeface="Times New Roman" panose="02020603050405020304" pitchFamily="18" charset="0"/>
+            </a:endParaRPr>
+          </a:p>
+          <a:p>
+            <a:pPr marL="342900" lvl="0" indent="-342900">
+              <a:lnSpc>
+                <a:spcPct val="107000"/>
+              </a:lnSpc>
+              <a:buFont typeface="Symbol" panose="05050102010706020507" pitchFamily="18" charset="2"/>
+              <a:buChar char=""/>
+            </a:pPr>
+            <a:r>
+              <a:rPr lang="en-US" sz="1800" dirty="0">
+                <a:effectLst/>
+                <a:latin typeface="Calibri Light" panose="020F0302020204030204" pitchFamily="34" charset="0"/>
+                <a:ea typeface="Calibri" panose="020F0502020204030204" pitchFamily="34" charset="0"/>
+                <a:cs typeface="Times New Roman" panose="02020603050405020304" pitchFamily="18" charset="0"/>
+              </a:rPr>
+              <a:t>The slopes are different but the intercepts are the same</a:t>
+            </a:r>
+            <a:endParaRPr lang="en-IN" sz="1400" dirty="0">
+              <a:effectLst/>
+              <a:latin typeface="Calibri" panose="020F0502020204030204" pitchFamily="34" charset="0"/>
+              <a:ea typeface="Calibri" panose="020F0502020204030204" pitchFamily="34" charset="0"/>
+              <a:cs typeface="Times New Roman" panose="02020603050405020304" pitchFamily="18" charset="0"/>
+            </a:endParaRPr>
+          </a:p>
+          <a:p>
+            <a:pPr marL="342900" lvl="0" indent="-342900">
+              <a:lnSpc>
+                <a:spcPct val="107000"/>
+              </a:lnSpc>
+              <a:buFont typeface="Symbol" panose="05050102010706020507" pitchFamily="18" charset="2"/>
+              <a:buChar char=""/>
+            </a:pPr>
+            <a:r>
+              <a:rPr lang="en-US" sz="1800" dirty="0">
+                <a:effectLst/>
+                <a:latin typeface="Calibri Light" panose="020F0302020204030204" pitchFamily="34" charset="0"/>
+                <a:ea typeface="Calibri" panose="020F0502020204030204" pitchFamily="34" charset="0"/>
+                <a:cs typeface="Times New Roman" panose="02020603050405020304" pitchFamily="18" charset="0"/>
+              </a:rPr>
+              <a:t>The intercepts are different but the slopes are same</a:t>
+            </a:r>
+            <a:endParaRPr lang="en-IN" sz="1400" dirty="0">
+              <a:effectLst/>
+              <a:latin typeface="Calibri" panose="020F0502020204030204" pitchFamily="34" charset="0"/>
+              <a:ea typeface="Calibri" panose="020F0502020204030204" pitchFamily="34" charset="0"/>
+              <a:cs typeface="Times New Roman" panose="02020603050405020304" pitchFamily="18" charset="0"/>
+            </a:endParaRPr>
+          </a:p>
+          <a:p>
+            <a:pPr marL="342900" lvl="0" indent="-342900">
+              <a:lnSpc>
+                <a:spcPct val="107000"/>
+              </a:lnSpc>
+              <a:buFont typeface="Symbol" panose="05050102010706020507" pitchFamily="18" charset="2"/>
+              <a:buChar char=""/>
+            </a:pPr>
+            <a:r>
+              <a:rPr lang="en-US" sz="1800" dirty="0">
+                <a:effectLst/>
+                <a:latin typeface="Calibri Light" panose="020F0302020204030204" pitchFamily="34" charset="0"/>
+                <a:ea typeface="Calibri" panose="020F0502020204030204" pitchFamily="34" charset="0"/>
+                <a:cs typeface="Times New Roman" panose="02020603050405020304" pitchFamily="18" charset="0"/>
+              </a:rPr>
+              <a:t>The slopes and intercepts are different</a:t>
+            </a:r>
+            <a:endParaRPr lang="en-IN" sz="1400" dirty="0">
+              <a:effectLst/>
+              <a:latin typeface="Calibri" panose="020F0502020204030204" pitchFamily="34" charset="0"/>
+              <a:ea typeface="Calibri" panose="020F0502020204030204" pitchFamily="34" charset="0"/>
+              <a:cs typeface="Times New Roman" panose="02020603050405020304" pitchFamily="18" charset="0"/>
+            </a:endParaRPr>
+          </a:p>
+          <a:p>
+            <a:pPr marL="457200">
+              <a:lnSpc>
+                <a:spcPct val="107000"/>
+              </a:lnSpc>
+            </a:pPr>
+            <a:r>
+              <a:rPr lang="en-US" sz="1800" dirty="0">
+                <a:effectLst/>
+                <a:latin typeface="Calibri Light" panose="020F0302020204030204" pitchFamily="34" charset="0"/>
+                <a:ea typeface="Calibri" panose="020F0502020204030204" pitchFamily="34" charset="0"/>
+                <a:cs typeface="Times New Roman" panose="02020603050405020304" pitchFamily="18" charset="0"/>
+              </a:rPr>
+              <a:t> </a:t>
+            </a:r>
+            <a:endParaRPr lang="en-IN" sz="1400" dirty="0">
+              <a:effectLst/>
+              <a:latin typeface="Calibri" panose="020F0502020204030204" pitchFamily="34" charset="0"/>
+              <a:ea typeface="Calibri" panose="020F0502020204030204" pitchFamily="34" charset="0"/>
+              <a:cs typeface="Times New Roman" panose="02020603050405020304" pitchFamily="18" charset="0"/>
+            </a:endParaRPr>
+          </a:p>
+          <a:p>
+            <a:pPr marL="457200">
+              <a:lnSpc>
+                <a:spcPct val="107000"/>
+              </a:lnSpc>
+              <a:spcAft>
+                <a:spcPts val="800"/>
+              </a:spcAft>
+            </a:pPr>
+            <a:r>
+              <a:rPr lang="en-US" sz="1800" dirty="0">
+                <a:effectLst/>
+                <a:latin typeface="Calibri Light" panose="020F0302020204030204" pitchFamily="34" charset="0"/>
+                <a:ea typeface="Calibri" panose="020F0502020204030204" pitchFamily="34" charset="0"/>
+                <a:cs typeface="Times New Roman" panose="02020603050405020304" pitchFamily="18" charset="0"/>
+              </a:rPr>
+              <a:t>The fifth possibility not discussed is that, all the slopes are zero. In that case, Analysis of Covariance model can be used.</a:t>
+            </a:r>
+            <a:endParaRPr lang="en-IN" sz="1400" dirty="0">
+              <a:effectLst/>
+              <a:latin typeface="Calibri" panose="020F0502020204030204" pitchFamily="34" charset="0"/>
+              <a:ea typeface="Calibri" panose="020F0502020204030204" pitchFamily="34" charset="0"/>
+              <a:cs typeface="Times New Roman" panose="02020603050405020304" pitchFamily="18" charset="0"/>
+            </a:endParaRPr>
+          </a:p>
+        </p:txBody>
+      </p:sp>
+    </p:spTree>
+    <p:extLst>
+      <p:ext uri="{BB962C8B-B14F-4D97-AF65-F5344CB8AC3E}">
+        <p14:creationId xmlns:p14="http://schemas.microsoft.com/office/powerpoint/2010/main" val="2182701131"/>
+      </p:ext>
+    </p:extLst>
+  </p:cSld>
+  <p:clrMapOvr>
+    <a:masterClrMapping/>
+  </p:clrMapOvr>
+</p:sld>
+</file>
+
+<file path=ppt/slides/slide23.xml><?xml version="1.0" encoding="utf-8"?>
+<p:sld xmlns:a="http://schemas.openxmlformats.org/drawingml/2006/main" xmlns:r="http://schemas.openxmlformats.org/officeDocument/2006/relationships" xmlns:p="http://schemas.openxmlformats.org/presentationml/2006/main">
+  <p:cSld>
+    <p:bg>
+      <p:bgPr>
+        <a:gradFill>
+          <a:gsLst>
+            <a:gs pos="0">
+              <a:schemeClr val="accent1">
+                <a:lumMod val="5000"/>
+                <a:lumOff val="95000"/>
+              </a:schemeClr>
+            </a:gs>
+            <a:gs pos="74000">
+              <a:schemeClr val="accent1">
+                <a:lumMod val="45000"/>
+                <a:lumOff val="55000"/>
+              </a:schemeClr>
+            </a:gs>
+            <a:gs pos="83000">
+              <a:schemeClr val="accent1">
+                <a:lumMod val="45000"/>
+                <a:lumOff val="55000"/>
+              </a:schemeClr>
+            </a:gs>
+            <a:gs pos="100000">
+              <a:schemeClr val="accent1">
+                <a:lumMod val="30000"/>
+                <a:lumOff val="70000"/>
+              </a:schemeClr>
+            </a:gs>
+          </a:gsLst>
+          <a:lin ang="5400000" scaled="1"/>
+        </a:gradFill>
+        <a:effectLst/>
+      </p:bgPr>
+    </p:bg>
+    <p:spTree>
+      <p:nvGrpSpPr>
+        <p:cNvPr id="1" name=""/>
+        <p:cNvGrpSpPr/>
+        <p:nvPr/>
+      </p:nvGrpSpPr>
+      <p:grpSpPr>
+        <a:xfrm>
+          <a:off x="0" y="0"/>
+          <a:ext cx="0" cy="0"/>
+          <a:chOff x="0" y="0"/>
+          <a:chExt cx="0" cy="0"/>
+        </a:xfrm>
+      </p:grpSpPr>
+      <p:sp>
+        <p:nvSpPr>
+          <p:cNvPr id="4" name="Title 3"/>
+          <p:cNvSpPr>
+            <a:spLocks noGrp="1"/>
+          </p:cNvSpPr>
+          <p:nvPr>
+            <p:ph type="title"/>
+          </p:nvPr>
+        </p:nvSpPr>
+        <p:spPr/>
+        <p:txBody>
+          <a:bodyPr/>
+          <a:lstStyle/>
+          <a:p>
+            <a:r>
+              <a:rPr lang="en-US" dirty="0"/>
+              <a:t>ANCOVA Models</a:t>
+            </a:r>
+          </a:p>
+        </p:txBody>
+      </p:sp>
+      <p:pic>
+        <p:nvPicPr>
+          <p:cNvPr id="5" name="Picture 4">
+            <a:extLst>
+              <a:ext uri="{FF2B5EF4-FFF2-40B4-BE49-F238E27FC236}">
+                <a16:creationId xmlns:a16="http://schemas.microsoft.com/office/drawing/2014/main" id="{7374A4B3-E691-40CB-A8C1-4CD38E5196CF}"/>
+              </a:ext>
+            </a:extLst>
+          </p:cNvPr>
+          <p:cNvPicPr>
+            <a:picLocks noChangeAspect="1"/>
+          </p:cNvPicPr>
+          <p:nvPr/>
+        </p:nvPicPr>
+        <p:blipFill>
+          <a:blip r:embed="rId2"/>
+          <a:stretch>
+            <a:fillRect/>
+          </a:stretch>
+        </p:blipFill>
+        <p:spPr>
+          <a:xfrm>
+            <a:off x="1838528" y="1690689"/>
+            <a:ext cx="7276289" cy="3863806"/>
+          </a:xfrm>
+          <a:prstGeom prst="rect">
+            <a:avLst/>
+          </a:prstGeom>
+        </p:spPr>
+      </p:pic>
+      <p:pic>
+        <p:nvPicPr>
+          <p:cNvPr id="8" name="Picture 7">
+            <a:extLst>
+              <a:ext uri="{FF2B5EF4-FFF2-40B4-BE49-F238E27FC236}">
+                <a16:creationId xmlns:a16="http://schemas.microsoft.com/office/drawing/2014/main" id="{6B348D53-9413-428F-AFA5-8D2C94956ADC}"/>
+              </a:ext>
+            </a:extLst>
+          </p:cNvPr>
+          <p:cNvPicPr>
+            <a:picLocks noChangeAspect="1"/>
+          </p:cNvPicPr>
+          <p:nvPr/>
+        </p:nvPicPr>
+        <p:blipFill>
+          <a:blip r:embed="rId3"/>
+          <a:stretch>
+            <a:fillRect/>
+          </a:stretch>
+        </p:blipFill>
+        <p:spPr>
+          <a:xfrm>
+            <a:off x="1474349" y="5888072"/>
+            <a:ext cx="9048750" cy="723900"/>
+          </a:xfrm>
+          <a:prstGeom prst="rect">
+            <a:avLst/>
+          </a:prstGeom>
+        </p:spPr>
+      </p:pic>
+    </p:spTree>
+    <p:extLst>
+      <p:ext uri="{BB962C8B-B14F-4D97-AF65-F5344CB8AC3E}">
+        <p14:creationId xmlns:p14="http://schemas.microsoft.com/office/powerpoint/2010/main" val="2331617698"/>
+      </p:ext>
+    </p:extLst>
+  </p:cSld>
+  <p:clrMapOvr>
+    <a:masterClrMapping/>
+  </p:clrMapOvr>
+</p:sld>
+</file>
+
+<file path=ppt/slides/slide24.xml><?xml version="1.0" encoding="utf-8"?>
+<p:sld xmlns:a="http://schemas.openxmlformats.org/drawingml/2006/main" xmlns:r="http://schemas.openxmlformats.org/officeDocument/2006/relationships" xmlns:p="http://schemas.openxmlformats.org/presentationml/2006/main">
+  <p:cSld>
+    <p:bg>
+      <p:bgPr>
+        <a:gradFill>
+          <a:gsLst>
+            <a:gs pos="0">
+              <a:schemeClr val="accent1">
+                <a:lumMod val="5000"/>
+                <a:lumOff val="95000"/>
+              </a:schemeClr>
+            </a:gs>
+            <a:gs pos="74000">
+              <a:schemeClr val="accent1">
+                <a:lumMod val="45000"/>
+                <a:lumOff val="55000"/>
+              </a:schemeClr>
+            </a:gs>
+            <a:gs pos="83000">
+              <a:schemeClr val="accent1">
+                <a:lumMod val="45000"/>
+                <a:lumOff val="55000"/>
+              </a:schemeClr>
+            </a:gs>
+            <a:gs pos="100000">
+              <a:schemeClr val="accent1">
+                <a:lumMod val="30000"/>
+                <a:lumOff val="70000"/>
+              </a:schemeClr>
+            </a:gs>
+          </a:gsLst>
+          <a:lin ang="5400000" scaled="1"/>
+        </a:gradFill>
+        <a:effectLst/>
+      </p:bgPr>
+    </p:bg>
+    <p:spTree>
+      <p:nvGrpSpPr>
+        <p:cNvPr id="1" name=""/>
+        <p:cNvGrpSpPr/>
+        <p:nvPr/>
+      </p:nvGrpSpPr>
+      <p:grpSpPr>
+        <a:xfrm>
+          <a:off x="0" y="0"/>
+          <a:ext cx="0" cy="0"/>
+          <a:chOff x="0" y="0"/>
+          <a:chExt cx="0" cy="0"/>
+        </a:xfrm>
+      </p:grpSpPr>
+      <p:sp>
+        <p:nvSpPr>
+          <p:cNvPr id="4" name="Title 3"/>
+          <p:cNvSpPr>
+            <a:spLocks noGrp="1"/>
+          </p:cNvSpPr>
+          <p:nvPr>
+            <p:ph type="title"/>
+          </p:nvPr>
+        </p:nvSpPr>
+        <p:spPr/>
+        <p:txBody>
+          <a:bodyPr/>
+          <a:lstStyle/>
+          <a:p>
+            <a:r>
+              <a:rPr lang="en-US" dirty="0"/>
+              <a:t>ANCOVA Models</a:t>
+            </a:r>
+          </a:p>
+        </p:txBody>
+      </p:sp>
+      <p:pic>
+        <p:nvPicPr>
+          <p:cNvPr id="3" name="Picture 2">
+            <a:extLst>
+              <a:ext uri="{FF2B5EF4-FFF2-40B4-BE49-F238E27FC236}">
+                <a16:creationId xmlns:a16="http://schemas.microsoft.com/office/drawing/2014/main" id="{656B0C83-C89D-4579-9300-040A55732FF3}"/>
+              </a:ext>
+            </a:extLst>
+          </p:cNvPr>
+          <p:cNvPicPr>
+            <a:picLocks noChangeAspect="1"/>
+          </p:cNvPicPr>
+          <p:nvPr/>
+        </p:nvPicPr>
+        <p:blipFill>
+          <a:blip r:embed="rId2"/>
+          <a:stretch>
+            <a:fillRect/>
+          </a:stretch>
+        </p:blipFill>
+        <p:spPr>
+          <a:xfrm>
+            <a:off x="1001035" y="2033890"/>
+            <a:ext cx="10594335" cy="3676245"/>
+          </a:xfrm>
+          <a:prstGeom prst="rect">
+            <a:avLst/>
+          </a:prstGeom>
+        </p:spPr>
+      </p:pic>
+    </p:spTree>
+    <p:extLst>
+      <p:ext uri="{BB962C8B-B14F-4D97-AF65-F5344CB8AC3E}">
+        <p14:creationId xmlns:p14="http://schemas.microsoft.com/office/powerpoint/2010/main" val="339124023"/>
+      </p:ext>
+    </p:extLst>
+  </p:cSld>
+  <p:clrMapOvr>
+    <a:masterClrMapping/>
+  </p:clrMapOvr>
+</p:sld>
+</file>
+
+<file path=ppt/slides/slide25.xml><?xml version="1.0" encoding="utf-8"?>
+<p:sld xmlns:a="http://schemas.openxmlformats.org/drawingml/2006/main" xmlns:r="http://schemas.openxmlformats.org/officeDocument/2006/relationships" xmlns:p="http://schemas.openxmlformats.org/presentationml/2006/main">
+  <p:cSld>
+    <p:bg>
+      <p:bgPr>
+        <a:gradFill>
+          <a:gsLst>
+            <a:gs pos="0">
+              <a:schemeClr val="accent1">
+                <a:lumMod val="5000"/>
+                <a:lumOff val="95000"/>
+              </a:schemeClr>
+            </a:gs>
+            <a:gs pos="74000">
+              <a:schemeClr val="accent1">
+                <a:lumMod val="45000"/>
+                <a:lumOff val="55000"/>
+              </a:schemeClr>
+            </a:gs>
+            <a:gs pos="83000">
+              <a:schemeClr val="accent1">
+                <a:lumMod val="45000"/>
+                <a:lumOff val="55000"/>
+              </a:schemeClr>
+            </a:gs>
+            <a:gs pos="100000">
+              <a:schemeClr val="accent1">
+                <a:lumMod val="30000"/>
+                <a:lumOff val="70000"/>
+              </a:schemeClr>
+            </a:gs>
+          </a:gsLst>
+          <a:lin ang="5400000" scaled="1"/>
+        </a:gradFill>
+        <a:effectLst/>
+      </p:bgPr>
+    </p:bg>
+    <p:spTree>
+      <p:nvGrpSpPr>
+        <p:cNvPr id="1" name=""/>
+        <p:cNvGrpSpPr/>
+        <p:nvPr/>
+      </p:nvGrpSpPr>
+      <p:grpSpPr>
+        <a:xfrm>
+          <a:off x="0" y="0"/>
+          <a:ext cx="0" cy="0"/>
+          <a:chOff x="0" y="0"/>
+          <a:chExt cx="0" cy="0"/>
+        </a:xfrm>
+      </p:grpSpPr>
+      <p:sp>
+        <p:nvSpPr>
+          <p:cNvPr id="4" name="Title 3"/>
+          <p:cNvSpPr>
+            <a:spLocks noGrp="1"/>
+          </p:cNvSpPr>
+          <p:nvPr>
+            <p:ph type="title"/>
+          </p:nvPr>
+        </p:nvSpPr>
+        <p:spPr/>
+        <p:txBody>
+          <a:bodyPr/>
+          <a:lstStyle/>
+          <a:p>
+            <a:r>
+              <a:rPr lang="en-US" dirty="0"/>
+              <a:t>ANCOVA Models</a:t>
+            </a:r>
+          </a:p>
+        </p:txBody>
+      </p:sp>
+      <p:pic>
+        <p:nvPicPr>
+          <p:cNvPr id="5" name="Picture 4">
+            <a:extLst>
+              <a:ext uri="{FF2B5EF4-FFF2-40B4-BE49-F238E27FC236}">
+                <a16:creationId xmlns:a16="http://schemas.microsoft.com/office/drawing/2014/main" id="{ABA77F26-9DFA-436A-9C82-BFFACEB7F660}"/>
+              </a:ext>
+            </a:extLst>
+          </p:cNvPr>
+          <p:cNvPicPr>
+            <a:picLocks noChangeAspect="1"/>
+          </p:cNvPicPr>
+          <p:nvPr/>
+        </p:nvPicPr>
+        <p:blipFill>
+          <a:blip r:embed="rId2"/>
+          <a:stretch>
+            <a:fillRect/>
+          </a:stretch>
+        </p:blipFill>
+        <p:spPr>
+          <a:xfrm>
+            <a:off x="838201" y="2564858"/>
+            <a:ext cx="10212420" cy="2668623"/>
+          </a:xfrm>
+          <a:prstGeom prst="rect">
+            <a:avLst/>
+          </a:prstGeom>
+        </p:spPr>
+      </p:pic>
+    </p:spTree>
+    <p:extLst>
+      <p:ext uri="{BB962C8B-B14F-4D97-AF65-F5344CB8AC3E}">
+        <p14:creationId xmlns:p14="http://schemas.microsoft.com/office/powerpoint/2010/main" val="485452084"/>
+      </p:ext>
+    </p:extLst>
+  </p:cSld>
+  <p:clrMapOvr>
+    <a:masterClrMapping/>
+  </p:clrMapOvr>
+</p:sld>
+</file>
+
+<file path=ppt/slides/slide26.xml><?xml version="1.0" encoding="utf-8"?>
+<p:sld xmlns:a="http://schemas.openxmlformats.org/drawingml/2006/main" xmlns:r="http://schemas.openxmlformats.org/officeDocument/2006/relationships" xmlns:p="http://schemas.openxmlformats.org/presentationml/2006/main">
+  <p:cSld>
+    <p:bg>
+      <p:bgPr>
+        <a:gradFill>
+          <a:gsLst>
+            <a:gs pos="0">
+              <a:schemeClr val="accent1">
+                <a:lumMod val="5000"/>
+                <a:lumOff val="95000"/>
+              </a:schemeClr>
+            </a:gs>
+            <a:gs pos="74000">
+              <a:schemeClr val="accent1">
+                <a:lumMod val="45000"/>
+                <a:lumOff val="55000"/>
+              </a:schemeClr>
+            </a:gs>
+            <a:gs pos="83000">
+              <a:schemeClr val="accent1">
+                <a:lumMod val="45000"/>
+                <a:lumOff val="55000"/>
+              </a:schemeClr>
+            </a:gs>
+            <a:gs pos="100000">
+              <a:schemeClr val="accent1">
+                <a:lumMod val="30000"/>
+                <a:lumOff val="70000"/>
+              </a:schemeClr>
+            </a:gs>
+          </a:gsLst>
+          <a:lin ang="5400000" scaled="1"/>
+        </a:gradFill>
+        <a:effectLst/>
+      </p:bgPr>
+    </p:bg>
+    <p:spTree>
+      <p:nvGrpSpPr>
+        <p:cNvPr id="1" name=""/>
+        <p:cNvGrpSpPr/>
+        <p:nvPr/>
+      </p:nvGrpSpPr>
+      <p:grpSpPr>
+        <a:xfrm>
+          <a:off x="0" y="0"/>
+          <a:ext cx="0" cy="0"/>
+          <a:chOff x="0" y="0"/>
+          <a:chExt cx="0" cy="0"/>
+        </a:xfrm>
+      </p:grpSpPr>
+      <p:sp>
+        <p:nvSpPr>
+          <p:cNvPr id="4" name="Title 3"/>
+          <p:cNvSpPr>
+            <a:spLocks noGrp="1"/>
+          </p:cNvSpPr>
+          <p:nvPr>
+            <p:ph type="title"/>
+          </p:nvPr>
+        </p:nvSpPr>
+        <p:spPr/>
+        <p:txBody>
+          <a:bodyPr/>
+          <a:lstStyle/>
+          <a:p>
+            <a:r>
+              <a:rPr lang="en-US" dirty="0"/>
+              <a:t>ANCOVA Models</a:t>
+            </a:r>
+          </a:p>
+        </p:txBody>
+      </p:sp>
+      <p:pic>
+        <p:nvPicPr>
+          <p:cNvPr id="3" name="Picture 2">
+            <a:extLst>
+              <a:ext uri="{FF2B5EF4-FFF2-40B4-BE49-F238E27FC236}">
+                <a16:creationId xmlns:a16="http://schemas.microsoft.com/office/drawing/2014/main" id="{4DA0293B-5E2D-452A-AB78-A6AACC0FC9DF}"/>
+              </a:ext>
+            </a:extLst>
+          </p:cNvPr>
+          <p:cNvPicPr>
+            <a:picLocks noChangeAspect="1"/>
+          </p:cNvPicPr>
+          <p:nvPr/>
+        </p:nvPicPr>
+        <p:blipFill>
+          <a:blip r:embed="rId2"/>
+          <a:stretch>
+            <a:fillRect/>
+          </a:stretch>
+        </p:blipFill>
+        <p:spPr>
+          <a:xfrm>
+            <a:off x="711741" y="2085468"/>
+            <a:ext cx="10515600" cy="3741400"/>
+          </a:xfrm>
+          <a:prstGeom prst="rect">
+            <a:avLst/>
+          </a:prstGeom>
+        </p:spPr>
+      </p:pic>
+    </p:spTree>
+    <p:extLst>
+      <p:ext uri="{BB962C8B-B14F-4D97-AF65-F5344CB8AC3E}">
+        <p14:creationId xmlns:p14="http://schemas.microsoft.com/office/powerpoint/2010/main" val="2623992778"/>
+      </p:ext>
+    </p:extLst>
+  </p:cSld>
+  <p:clrMapOvr>
+    <a:masterClrMapping/>
+  </p:clrMapOvr>
+</p:sld>
+</file>
+
+<file path=ppt/slides/slide27.xml><?xml version="1.0" encoding="utf-8"?>
+<p:sld xmlns:a="http://schemas.openxmlformats.org/drawingml/2006/main" xmlns:r="http://schemas.openxmlformats.org/officeDocument/2006/relationships" xmlns:p="http://schemas.openxmlformats.org/presentationml/2006/main">
+  <p:cSld>
+    <p:bg>
+      <p:bgPr>
+        <a:gradFill>
+          <a:gsLst>
+            <a:gs pos="0">
+              <a:schemeClr val="accent1">
+                <a:lumMod val="5000"/>
+                <a:lumOff val="95000"/>
+              </a:schemeClr>
+            </a:gs>
+            <a:gs pos="74000">
+              <a:schemeClr val="accent1">
+                <a:lumMod val="45000"/>
+                <a:lumOff val="55000"/>
+              </a:schemeClr>
+            </a:gs>
+            <a:gs pos="83000">
+              <a:schemeClr val="accent1">
+                <a:lumMod val="45000"/>
+                <a:lumOff val="55000"/>
+              </a:schemeClr>
+            </a:gs>
+            <a:gs pos="100000">
+              <a:schemeClr val="accent1">
+                <a:lumMod val="30000"/>
+                <a:lumOff val="70000"/>
+              </a:schemeClr>
+            </a:gs>
+          </a:gsLst>
+          <a:lin ang="5400000" scaled="1"/>
+        </a:gradFill>
+        <a:effectLst/>
+      </p:bgPr>
+    </p:bg>
+    <p:spTree>
+      <p:nvGrpSpPr>
+        <p:cNvPr id="1" name=""/>
+        <p:cNvGrpSpPr/>
+        <p:nvPr/>
+      </p:nvGrpSpPr>
+      <p:grpSpPr>
+        <a:xfrm>
+          <a:off x="0" y="0"/>
+          <a:ext cx="0" cy="0"/>
+          <a:chOff x="0" y="0"/>
+          <a:chExt cx="0" cy="0"/>
+        </a:xfrm>
+      </p:grpSpPr>
+      <p:sp>
+        <p:nvSpPr>
+          <p:cNvPr id="4" name="Title 3"/>
+          <p:cNvSpPr>
+            <a:spLocks noGrp="1"/>
+          </p:cNvSpPr>
+          <p:nvPr>
+            <p:ph type="title"/>
+          </p:nvPr>
+        </p:nvSpPr>
+        <p:spPr/>
+        <p:txBody>
+          <a:bodyPr/>
+          <a:lstStyle/>
+          <a:p>
+            <a:r>
+              <a:rPr lang="en-US" dirty="0"/>
+              <a:t>ANCOVA Models</a:t>
+            </a:r>
+          </a:p>
+        </p:txBody>
+      </p:sp>
+      <p:pic>
+        <p:nvPicPr>
+          <p:cNvPr id="7" name="Picture 6">
+            <a:extLst>
+              <a:ext uri="{FF2B5EF4-FFF2-40B4-BE49-F238E27FC236}">
+                <a16:creationId xmlns:a16="http://schemas.microsoft.com/office/drawing/2014/main" id="{AAF22F10-AD1E-48E9-BDA5-188D54A724C2}"/>
+              </a:ext>
+            </a:extLst>
+          </p:cNvPr>
+          <p:cNvPicPr>
+            <a:picLocks noChangeAspect="1"/>
+          </p:cNvPicPr>
+          <p:nvPr/>
+        </p:nvPicPr>
+        <p:blipFill>
+          <a:blip r:embed="rId2"/>
+          <a:stretch>
+            <a:fillRect/>
+          </a:stretch>
+        </p:blipFill>
+        <p:spPr>
+          <a:xfrm>
+            <a:off x="838200" y="1908141"/>
+            <a:ext cx="9959502" cy="3432344"/>
+          </a:xfrm>
+          <a:prstGeom prst="rect">
+            <a:avLst/>
+          </a:prstGeom>
+        </p:spPr>
+      </p:pic>
+    </p:spTree>
+    <p:extLst>
+      <p:ext uri="{BB962C8B-B14F-4D97-AF65-F5344CB8AC3E}">
+        <p14:creationId xmlns:p14="http://schemas.microsoft.com/office/powerpoint/2010/main" val="2522676793"/>
+      </p:ext>
+    </p:extLst>
+  </p:cSld>
+  <p:clrMapOvr>
+    <a:masterClrMapping/>
+  </p:clrMapOvr>
+</p:sld>
+</file>
+
+<file path=ppt/slides/slide28.xml><?xml version="1.0" encoding="utf-8"?>
+<p:sld xmlns:a="http://schemas.openxmlformats.org/drawingml/2006/main" xmlns:r="http://schemas.openxmlformats.org/officeDocument/2006/relationships" xmlns:p="http://schemas.openxmlformats.org/presentationml/2006/main">
+  <p:cSld>
+    <p:bg>
+      <p:bgPr>
+        <a:gradFill>
+          <a:gsLst>
+            <a:gs pos="0">
+              <a:schemeClr val="accent1">
+                <a:lumMod val="5000"/>
+                <a:lumOff val="95000"/>
+              </a:schemeClr>
+            </a:gs>
+            <a:gs pos="74000">
+              <a:schemeClr val="accent1">
+                <a:lumMod val="45000"/>
+                <a:lumOff val="55000"/>
+              </a:schemeClr>
+            </a:gs>
+            <a:gs pos="83000">
+              <a:schemeClr val="accent1">
+                <a:lumMod val="45000"/>
+                <a:lumOff val="55000"/>
+              </a:schemeClr>
+            </a:gs>
+            <a:gs pos="100000">
+              <a:schemeClr val="accent1">
+                <a:lumMod val="30000"/>
+                <a:lumOff val="70000"/>
+              </a:schemeClr>
+            </a:gs>
+          </a:gsLst>
+          <a:lin ang="5400000" scaled="1"/>
+        </a:gradFill>
+        <a:effectLst/>
+      </p:bgPr>
+    </p:bg>
+    <p:spTree>
+      <p:nvGrpSpPr>
+        <p:cNvPr id="1" name=""/>
+        <p:cNvGrpSpPr/>
+        <p:nvPr/>
+      </p:nvGrpSpPr>
+      <p:grpSpPr>
+        <a:xfrm>
+          <a:off x="0" y="0"/>
+          <a:ext cx="0" cy="0"/>
+          <a:chOff x="0" y="0"/>
+          <a:chExt cx="0" cy="0"/>
+        </a:xfrm>
+      </p:grpSpPr>
+      <p:sp>
+        <p:nvSpPr>
+          <p:cNvPr id="4" name="Title 3"/>
+          <p:cNvSpPr>
+            <a:spLocks noGrp="1"/>
+          </p:cNvSpPr>
+          <p:nvPr>
+            <p:ph type="title"/>
+          </p:nvPr>
+        </p:nvSpPr>
+        <p:spPr/>
+        <p:txBody>
+          <a:bodyPr/>
+          <a:lstStyle/>
+          <a:p>
+            <a:r>
+              <a:rPr lang="en-US" dirty="0"/>
+              <a:t>ANCOVA Models</a:t>
+            </a:r>
+          </a:p>
+        </p:txBody>
+      </p:sp>
+      <p:pic>
+        <p:nvPicPr>
+          <p:cNvPr id="3" name="Picture 2">
+            <a:extLst>
+              <a:ext uri="{FF2B5EF4-FFF2-40B4-BE49-F238E27FC236}">
+                <a16:creationId xmlns:a16="http://schemas.microsoft.com/office/drawing/2014/main" id="{229079AF-4D83-4ED5-969D-CA97D3B66FA2}"/>
+              </a:ext>
+            </a:extLst>
+          </p:cNvPr>
+          <p:cNvPicPr>
+            <a:picLocks noChangeAspect="1"/>
+          </p:cNvPicPr>
+          <p:nvPr/>
+        </p:nvPicPr>
+        <p:blipFill>
+          <a:blip r:embed="rId2"/>
+          <a:stretch>
+            <a:fillRect/>
+          </a:stretch>
+        </p:blipFill>
+        <p:spPr>
+          <a:xfrm>
+            <a:off x="1017046" y="1849166"/>
+            <a:ext cx="4924425" cy="3501047"/>
+          </a:xfrm>
+          <a:prstGeom prst="rect">
+            <a:avLst/>
+          </a:prstGeom>
+        </p:spPr>
+      </p:pic>
+      <p:sp>
+        <p:nvSpPr>
+          <p:cNvPr id="8" name="TextBox 7">
+            <a:extLst>
+              <a:ext uri="{FF2B5EF4-FFF2-40B4-BE49-F238E27FC236}">
+                <a16:creationId xmlns:a16="http://schemas.microsoft.com/office/drawing/2014/main" id="{3201A9B7-EFF6-451D-A377-257B37A80B9E}"/>
+              </a:ext>
+            </a:extLst>
+          </p:cNvPr>
+          <p:cNvSpPr txBox="1"/>
+          <p:nvPr/>
+        </p:nvSpPr>
+        <p:spPr>
+          <a:xfrm>
+            <a:off x="6096000" y="1919585"/>
+            <a:ext cx="6094378" cy="3207481"/>
+          </a:xfrm>
+          <a:prstGeom prst="rect">
+            <a:avLst/>
+          </a:prstGeom>
+          <a:noFill/>
+        </p:spPr>
+        <p:txBody>
+          <a:bodyPr wrap="square">
+            <a:spAutoFit/>
+          </a:bodyPr>
+          <a:lstStyle/>
+          <a:p>
+            <a:pPr marL="342900" lvl="0" indent="-342900">
+              <a:lnSpc>
+                <a:spcPct val="107000"/>
+              </a:lnSpc>
+              <a:buFont typeface="Symbol" panose="05050102010706020507" pitchFamily="18" charset="2"/>
+              <a:buChar char=""/>
+            </a:pPr>
+            <a:r>
+              <a:rPr lang="en-US" sz="1800" dirty="0">
+                <a:effectLst/>
+                <a:latin typeface="Calibri Light" panose="020F0302020204030204" pitchFamily="34" charset="0"/>
+                <a:ea typeface="Calibri" panose="020F0502020204030204" pitchFamily="34" charset="0"/>
+                <a:cs typeface="Times New Roman" panose="02020603050405020304" pitchFamily="18" charset="0"/>
+              </a:rPr>
+              <a:t>The aim of ANCOVA model is to compare the group means. We already have least-square means with us. The question is where along the lines should you compute and compare the means. </a:t>
+            </a:r>
+          </a:p>
+          <a:p>
+            <a:pPr lvl="0">
+              <a:lnSpc>
+                <a:spcPct val="107000"/>
+              </a:lnSpc>
+            </a:pPr>
+            <a:endParaRPr lang="en-IN" sz="1400" dirty="0">
+              <a:effectLst/>
+              <a:latin typeface="Calibri" panose="020F0502020204030204" pitchFamily="34" charset="0"/>
+              <a:ea typeface="Calibri" panose="020F0502020204030204" pitchFamily="34" charset="0"/>
+              <a:cs typeface="Times New Roman" panose="02020603050405020304" pitchFamily="18" charset="0"/>
+            </a:endParaRPr>
+          </a:p>
+          <a:p>
+            <a:pPr marL="342900" lvl="0" indent="-342900">
+              <a:lnSpc>
+                <a:spcPct val="107000"/>
+              </a:lnSpc>
+              <a:buFont typeface="Symbol" panose="05050102010706020507" pitchFamily="18" charset="2"/>
+              <a:buChar char=""/>
+            </a:pPr>
+            <a:r>
+              <a:rPr lang="en-US" sz="1800" dirty="0">
+                <a:effectLst/>
+                <a:latin typeface="Calibri Light" panose="020F0302020204030204" pitchFamily="34" charset="0"/>
+                <a:ea typeface="Calibri" panose="020F0502020204030204" pitchFamily="34" charset="0"/>
+                <a:cs typeface="Times New Roman" panose="02020603050405020304" pitchFamily="18" charset="0"/>
+              </a:rPr>
+              <a:t>For example, group means of Approved drug versus Placebo at BaselineBP = 90 is different from group means of New Drug and Placebo at BaselineBP = 95/100</a:t>
+            </a:r>
+          </a:p>
+          <a:p>
+            <a:pPr lvl="0">
+              <a:lnSpc>
+                <a:spcPct val="107000"/>
+              </a:lnSpc>
+            </a:pPr>
+            <a:endParaRPr lang="en-IN" sz="1400" dirty="0">
+              <a:effectLst/>
+              <a:latin typeface="Calibri" panose="020F0502020204030204" pitchFamily="34" charset="0"/>
+              <a:ea typeface="Calibri" panose="020F0502020204030204" pitchFamily="34" charset="0"/>
+              <a:cs typeface="Times New Roman" panose="02020603050405020304" pitchFamily="18" charset="0"/>
+            </a:endParaRPr>
+          </a:p>
+          <a:p>
+            <a:pPr marL="342900" lvl="0" indent="-342900">
+              <a:lnSpc>
+                <a:spcPct val="107000"/>
+              </a:lnSpc>
+              <a:spcAft>
+                <a:spcPts val="800"/>
+              </a:spcAft>
+              <a:buFont typeface="Symbol" panose="05050102010706020507" pitchFamily="18" charset="2"/>
+              <a:buChar char=""/>
+            </a:pPr>
+            <a:r>
+              <a:rPr lang="en-US" sz="1800" dirty="0">
+                <a:effectLst/>
+                <a:latin typeface="Calibri Light" panose="020F0302020204030204" pitchFamily="34" charset="0"/>
+                <a:ea typeface="Calibri" panose="020F0502020204030204" pitchFamily="34" charset="0"/>
+                <a:cs typeface="Times New Roman" panose="02020603050405020304" pitchFamily="18" charset="0"/>
+              </a:rPr>
+              <a:t>By default, group means between different Treatments will be calculated at mean value of covariate (BaselineBP)</a:t>
+            </a:r>
+            <a:endParaRPr lang="en-IN" sz="1400" dirty="0">
+              <a:effectLst/>
+              <a:latin typeface="Calibri" panose="020F0502020204030204" pitchFamily="34" charset="0"/>
+              <a:ea typeface="Calibri" panose="020F0502020204030204" pitchFamily="34" charset="0"/>
+              <a:cs typeface="Times New Roman" panose="02020603050405020304" pitchFamily="18" charset="0"/>
+            </a:endParaRPr>
+          </a:p>
+        </p:txBody>
+      </p:sp>
+    </p:spTree>
+    <p:extLst>
+      <p:ext uri="{BB962C8B-B14F-4D97-AF65-F5344CB8AC3E}">
+        <p14:creationId xmlns:p14="http://schemas.microsoft.com/office/powerpoint/2010/main" val="3579384028"/>
+      </p:ext>
+    </p:extLst>
+  </p:cSld>
+  <p:clrMapOvr>
+    <a:masterClrMapping/>
+  </p:clrMapOvr>
+</p:sld>
+</file>
+
+<file path=ppt/slides/slide29.xml><?xml version="1.0" encoding="utf-8"?>
+<p:sld xmlns:a="http://schemas.openxmlformats.org/drawingml/2006/main" xmlns:r="http://schemas.openxmlformats.org/officeDocument/2006/relationships" xmlns:p="http://schemas.openxmlformats.org/presentationml/2006/main">
+  <p:cSld>
+    <p:bg>
+      <p:bgPr>
+        <a:gradFill>
+          <a:gsLst>
+            <a:gs pos="0">
+              <a:schemeClr val="accent1">
+                <a:lumMod val="5000"/>
+                <a:lumOff val="95000"/>
+              </a:schemeClr>
+            </a:gs>
+            <a:gs pos="74000">
+              <a:schemeClr val="accent1">
+                <a:lumMod val="45000"/>
+                <a:lumOff val="55000"/>
+              </a:schemeClr>
+            </a:gs>
+            <a:gs pos="83000">
+              <a:schemeClr val="accent1">
+                <a:lumMod val="45000"/>
+                <a:lumOff val="55000"/>
+              </a:schemeClr>
+            </a:gs>
+            <a:gs pos="100000">
+              <a:schemeClr val="accent1">
+                <a:lumMod val="30000"/>
+                <a:lumOff val="70000"/>
+              </a:schemeClr>
+            </a:gs>
+          </a:gsLst>
+          <a:lin ang="5400000" scaled="1"/>
+        </a:gradFill>
+        <a:effectLst/>
+      </p:bgPr>
+    </p:bg>
+    <p:spTree>
+      <p:nvGrpSpPr>
+        <p:cNvPr id="1" name=""/>
+        <p:cNvGrpSpPr/>
+        <p:nvPr/>
+      </p:nvGrpSpPr>
+      <p:grpSpPr>
+        <a:xfrm>
+          <a:off x="0" y="0"/>
+          <a:ext cx="0" cy="0"/>
+          <a:chOff x="0" y="0"/>
+          <a:chExt cx="0" cy="0"/>
+        </a:xfrm>
+      </p:grpSpPr>
+      <p:sp>
+        <p:nvSpPr>
+          <p:cNvPr id="4" name="Title 3"/>
+          <p:cNvSpPr>
+            <a:spLocks noGrp="1"/>
+          </p:cNvSpPr>
+          <p:nvPr>
+            <p:ph type="title"/>
+          </p:nvPr>
+        </p:nvSpPr>
+        <p:spPr/>
+        <p:txBody>
+          <a:bodyPr/>
+          <a:lstStyle/>
+          <a:p>
+            <a:r>
+              <a:rPr lang="en-US" dirty="0"/>
+              <a:t>ANCOVA Models</a:t>
+            </a:r>
+          </a:p>
+        </p:txBody>
+      </p:sp>
+      <p:pic>
+        <p:nvPicPr>
+          <p:cNvPr id="5" name="Picture 4">
+            <a:extLst>
+              <a:ext uri="{FF2B5EF4-FFF2-40B4-BE49-F238E27FC236}">
+                <a16:creationId xmlns:a16="http://schemas.microsoft.com/office/drawing/2014/main" id="{F98D97A2-6C8E-463A-B3F1-95F95241701E}"/>
+              </a:ext>
+            </a:extLst>
+          </p:cNvPr>
+          <p:cNvPicPr>
+            <a:picLocks noChangeAspect="1"/>
+          </p:cNvPicPr>
+          <p:nvPr/>
+        </p:nvPicPr>
+        <p:blipFill>
+          <a:blip r:embed="rId2"/>
+          <a:stretch>
+            <a:fillRect/>
+          </a:stretch>
+        </p:blipFill>
+        <p:spPr>
+          <a:xfrm>
+            <a:off x="838200" y="1971978"/>
+            <a:ext cx="10095689" cy="4520897"/>
+          </a:xfrm>
+          <a:prstGeom prst="rect">
+            <a:avLst/>
+          </a:prstGeom>
+        </p:spPr>
+      </p:pic>
+    </p:spTree>
+    <p:extLst>
+      <p:ext uri="{BB962C8B-B14F-4D97-AF65-F5344CB8AC3E}">
+        <p14:creationId xmlns:p14="http://schemas.microsoft.com/office/powerpoint/2010/main" val="581021470"/>
+      </p:ext>
+    </p:extLst>
+  </p:cSld>
+  <p:clrMapOvr>
+    <a:masterClrMapping/>
+  </p:clrMapOvr>
+</p:sld>
+</file>
+
 <file path=ppt/slides/slide3.xml><?xml version="1.0" encoding="utf-8"?>
 <p:sld xmlns:a="http://schemas.openxmlformats.org/drawingml/2006/main" xmlns:r="http://schemas.openxmlformats.org/officeDocument/2006/relationships" xmlns:p="http://schemas.openxmlformats.org/presentationml/2006/main">
   <p:cSld>
@@ -4832,6 +6211,1122 @@
     <p:extLst>
       <p:ext uri="{BB962C8B-B14F-4D97-AF65-F5344CB8AC3E}">
         <p14:creationId xmlns:p14="http://schemas.microsoft.com/office/powerpoint/2010/main" val="2044187825"/>
+      </p:ext>
+    </p:extLst>
+  </p:cSld>
+  <p:clrMapOvr>
+    <a:masterClrMapping/>
+  </p:clrMapOvr>
+</p:sld>
+</file>
+
+<file path=ppt/slides/slide30.xml><?xml version="1.0" encoding="utf-8"?>
+<p:sld xmlns:a="http://schemas.openxmlformats.org/drawingml/2006/main" xmlns:r="http://schemas.openxmlformats.org/officeDocument/2006/relationships" xmlns:p="http://schemas.openxmlformats.org/presentationml/2006/main">
+  <p:cSld>
+    <p:bg>
+      <p:bgPr>
+        <a:gradFill>
+          <a:gsLst>
+            <a:gs pos="0">
+              <a:schemeClr val="accent1">
+                <a:lumMod val="5000"/>
+                <a:lumOff val="95000"/>
+              </a:schemeClr>
+            </a:gs>
+            <a:gs pos="74000">
+              <a:schemeClr val="accent1">
+                <a:lumMod val="45000"/>
+                <a:lumOff val="55000"/>
+              </a:schemeClr>
+            </a:gs>
+            <a:gs pos="83000">
+              <a:schemeClr val="accent1">
+                <a:lumMod val="45000"/>
+                <a:lumOff val="55000"/>
+              </a:schemeClr>
+            </a:gs>
+            <a:gs pos="100000">
+              <a:schemeClr val="accent1">
+                <a:lumMod val="30000"/>
+                <a:lumOff val="70000"/>
+              </a:schemeClr>
+            </a:gs>
+          </a:gsLst>
+          <a:lin ang="5400000" scaled="1"/>
+        </a:gradFill>
+        <a:effectLst/>
+      </p:bgPr>
+    </p:bg>
+    <p:spTree>
+      <p:nvGrpSpPr>
+        <p:cNvPr id="1" name=""/>
+        <p:cNvGrpSpPr/>
+        <p:nvPr/>
+      </p:nvGrpSpPr>
+      <p:grpSpPr>
+        <a:xfrm>
+          <a:off x="0" y="0"/>
+          <a:ext cx="0" cy="0"/>
+          <a:chOff x="0" y="0"/>
+          <a:chExt cx="0" cy="0"/>
+        </a:xfrm>
+      </p:grpSpPr>
+      <p:sp>
+        <p:nvSpPr>
+          <p:cNvPr id="4" name="Title 3"/>
+          <p:cNvSpPr>
+            <a:spLocks noGrp="1"/>
+          </p:cNvSpPr>
+          <p:nvPr>
+            <p:ph type="title"/>
+          </p:nvPr>
+        </p:nvSpPr>
+        <p:spPr/>
+        <p:txBody>
+          <a:bodyPr/>
+          <a:lstStyle/>
+          <a:p>
+            <a:r>
+              <a:rPr lang="en-US" dirty="0"/>
+              <a:t>ANCOVA Models</a:t>
+            </a:r>
+          </a:p>
+        </p:txBody>
+      </p:sp>
+      <p:pic>
+        <p:nvPicPr>
+          <p:cNvPr id="7" name="Picture 6">
+            <a:extLst>
+              <a:ext uri="{FF2B5EF4-FFF2-40B4-BE49-F238E27FC236}">
+                <a16:creationId xmlns:a16="http://schemas.microsoft.com/office/drawing/2014/main" id="{BEFAE963-30D4-465E-9838-024EE0171E8D}"/>
+              </a:ext>
+            </a:extLst>
+          </p:cNvPr>
+          <p:cNvPicPr>
+            <a:picLocks noChangeAspect="1"/>
+          </p:cNvPicPr>
+          <p:nvPr/>
+        </p:nvPicPr>
+        <p:blipFill>
+          <a:blip r:embed="rId2"/>
+          <a:stretch>
+            <a:fillRect/>
+          </a:stretch>
+        </p:blipFill>
+        <p:spPr>
+          <a:xfrm>
+            <a:off x="1903859" y="1363959"/>
+            <a:ext cx="6344403" cy="4439682"/>
+          </a:xfrm>
+          <a:prstGeom prst="rect">
+            <a:avLst/>
+          </a:prstGeom>
+        </p:spPr>
+      </p:pic>
+      <p:sp>
+        <p:nvSpPr>
+          <p:cNvPr id="9" name="TextBox 8">
+            <a:extLst>
+              <a:ext uri="{FF2B5EF4-FFF2-40B4-BE49-F238E27FC236}">
+                <a16:creationId xmlns:a16="http://schemas.microsoft.com/office/drawing/2014/main" id="{04F9763A-2424-4751-9963-0CE83A1D42AB}"/>
+              </a:ext>
+            </a:extLst>
+          </p:cNvPr>
+          <p:cNvSpPr txBox="1"/>
+          <p:nvPr/>
+        </p:nvSpPr>
+        <p:spPr>
+          <a:xfrm>
+            <a:off x="1639855" y="6013526"/>
+            <a:ext cx="7821386" cy="671915"/>
+          </a:xfrm>
+          <a:prstGeom prst="rect">
+            <a:avLst/>
+          </a:prstGeom>
+          <a:noFill/>
+        </p:spPr>
+        <p:txBody>
+          <a:bodyPr wrap="square">
+            <a:spAutoFit/>
+          </a:bodyPr>
+          <a:lstStyle/>
+          <a:p>
+            <a:pPr>
+              <a:lnSpc>
+                <a:spcPct val="107000"/>
+              </a:lnSpc>
+              <a:spcAft>
+                <a:spcPts val="800"/>
+              </a:spcAft>
+            </a:pPr>
+            <a:r>
+              <a:rPr lang="en-US" sz="1800" dirty="0">
+                <a:effectLst/>
+                <a:latin typeface="Calibri Light" panose="020F0302020204030204" pitchFamily="34" charset="0"/>
+                <a:ea typeface="Calibri" panose="020F0502020204030204" pitchFamily="34" charset="0"/>
+                <a:cs typeface="Times New Roman" panose="02020603050405020304" pitchFamily="18" charset="0"/>
+              </a:rPr>
+              <a:t>The means for the </a:t>
+            </a:r>
+            <a:r>
+              <a:rPr lang="en-US" sz="1800" b="1" dirty="0">
+                <a:effectLst/>
+                <a:latin typeface="Calibri Light" panose="020F0302020204030204" pitchFamily="34" charset="0"/>
+                <a:ea typeface="Calibri" panose="020F0502020204030204" pitchFamily="34" charset="0"/>
+                <a:cs typeface="Times New Roman" panose="02020603050405020304" pitchFamily="18" charset="0"/>
+              </a:rPr>
+              <a:t>treatments </a:t>
+            </a:r>
+            <a:r>
+              <a:rPr lang="en-US" sz="1800" dirty="0">
+                <a:effectLst/>
+                <a:latin typeface="Calibri Light" panose="020F0302020204030204" pitchFamily="34" charset="0"/>
+                <a:ea typeface="Calibri" panose="020F0502020204030204" pitchFamily="34" charset="0"/>
+                <a:cs typeface="Times New Roman" panose="02020603050405020304" pitchFamily="18" charset="0"/>
+              </a:rPr>
+              <a:t>at the mean value of </a:t>
+            </a:r>
+            <a:r>
+              <a:rPr lang="en-US" sz="1800" b="1" dirty="0">
+                <a:effectLst/>
+                <a:latin typeface="Calibri Light" panose="020F0302020204030204" pitchFamily="34" charset="0"/>
+                <a:ea typeface="Calibri" panose="020F0502020204030204" pitchFamily="34" charset="0"/>
+                <a:cs typeface="Times New Roman" panose="02020603050405020304" pitchFamily="18" charset="0"/>
+              </a:rPr>
+              <a:t>BaselineBP = 95 </a:t>
+            </a:r>
+            <a:r>
+              <a:rPr lang="en-US" sz="1800" dirty="0">
+                <a:effectLst/>
+                <a:latin typeface="Calibri Light" panose="020F0302020204030204" pitchFamily="34" charset="0"/>
+                <a:ea typeface="Calibri" panose="020F0502020204030204" pitchFamily="34" charset="0"/>
+                <a:cs typeface="Times New Roman" panose="02020603050405020304" pitchFamily="18" charset="0"/>
+              </a:rPr>
+              <a:t>is displayed. This is default.</a:t>
+            </a:r>
+            <a:endParaRPr lang="en-IN" sz="1400" dirty="0">
+              <a:effectLst/>
+              <a:latin typeface="Calibri" panose="020F0502020204030204" pitchFamily="34" charset="0"/>
+              <a:ea typeface="Calibri" panose="020F0502020204030204" pitchFamily="34" charset="0"/>
+              <a:cs typeface="Times New Roman" panose="02020603050405020304" pitchFamily="18" charset="0"/>
+            </a:endParaRPr>
+          </a:p>
+        </p:txBody>
+      </p:sp>
+    </p:spTree>
+    <p:extLst>
+      <p:ext uri="{BB962C8B-B14F-4D97-AF65-F5344CB8AC3E}">
+        <p14:creationId xmlns:p14="http://schemas.microsoft.com/office/powerpoint/2010/main" val="1782768988"/>
+      </p:ext>
+    </p:extLst>
+  </p:cSld>
+  <p:clrMapOvr>
+    <a:masterClrMapping/>
+  </p:clrMapOvr>
+</p:sld>
+</file>
+
+<file path=ppt/slides/slide31.xml><?xml version="1.0" encoding="utf-8"?>
+<p:sld xmlns:a="http://schemas.openxmlformats.org/drawingml/2006/main" xmlns:r="http://schemas.openxmlformats.org/officeDocument/2006/relationships" xmlns:p="http://schemas.openxmlformats.org/presentationml/2006/main">
+  <p:cSld>
+    <p:bg>
+      <p:bgPr>
+        <a:gradFill>
+          <a:gsLst>
+            <a:gs pos="0">
+              <a:schemeClr val="accent1">
+                <a:lumMod val="5000"/>
+                <a:lumOff val="95000"/>
+              </a:schemeClr>
+            </a:gs>
+            <a:gs pos="74000">
+              <a:schemeClr val="accent1">
+                <a:lumMod val="45000"/>
+                <a:lumOff val="55000"/>
+              </a:schemeClr>
+            </a:gs>
+            <a:gs pos="83000">
+              <a:schemeClr val="accent1">
+                <a:lumMod val="45000"/>
+                <a:lumOff val="55000"/>
+              </a:schemeClr>
+            </a:gs>
+            <a:gs pos="100000">
+              <a:schemeClr val="accent1">
+                <a:lumMod val="30000"/>
+                <a:lumOff val="70000"/>
+              </a:schemeClr>
+            </a:gs>
+          </a:gsLst>
+          <a:lin ang="5400000" scaled="1"/>
+        </a:gradFill>
+        <a:effectLst/>
+      </p:bgPr>
+    </p:bg>
+    <p:spTree>
+      <p:nvGrpSpPr>
+        <p:cNvPr id="1" name=""/>
+        <p:cNvGrpSpPr/>
+        <p:nvPr/>
+      </p:nvGrpSpPr>
+      <p:grpSpPr>
+        <a:xfrm>
+          <a:off x="0" y="0"/>
+          <a:ext cx="0" cy="0"/>
+          <a:chOff x="0" y="0"/>
+          <a:chExt cx="0" cy="0"/>
+        </a:xfrm>
+      </p:grpSpPr>
+      <p:sp>
+        <p:nvSpPr>
+          <p:cNvPr id="4" name="Title 3"/>
+          <p:cNvSpPr>
+            <a:spLocks noGrp="1"/>
+          </p:cNvSpPr>
+          <p:nvPr>
+            <p:ph type="title"/>
+          </p:nvPr>
+        </p:nvSpPr>
+        <p:spPr/>
+        <p:txBody>
+          <a:bodyPr/>
+          <a:lstStyle/>
+          <a:p>
+            <a:r>
+              <a:rPr lang="en-US" dirty="0"/>
+              <a:t>ANCOVA Models</a:t>
+            </a:r>
+          </a:p>
+        </p:txBody>
+      </p:sp>
+      <p:sp>
+        <p:nvSpPr>
+          <p:cNvPr id="9" name="TextBox 8">
+            <a:extLst>
+              <a:ext uri="{FF2B5EF4-FFF2-40B4-BE49-F238E27FC236}">
+                <a16:creationId xmlns:a16="http://schemas.microsoft.com/office/drawing/2014/main" id="{04F9763A-2424-4751-9963-0CE83A1D42AB}"/>
+              </a:ext>
+            </a:extLst>
+          </p:cNvPr>
+          <p:cNvSpPr txBox="1"/>
+          <p:nvPr/>
+        </p:nvSpPr>
+        <p:spPr>
+          <a:xfrm>
+            <a:off x="1639855" y="6013526"/>
+            <a:ext cx="7821386" cy="671915"/>
+          </a:xfrm>
+          <a:prstGeom prst="rect">
+            <a:avLst/>
+          </a:prstGeom>
+          <a:noFill/>
+        </p:spPr>
+        <p:txBody>
+          <a:bodyPr wrap="square">
+            <a:spAutoFit/>
+          </a:bodyPr>
+          <a:lstStyle/>
+          <a:p>
+            <a:pPr>
+              <a:lnSpc>
+                <a:spcPct val="107000"/>
+              </a:lnSpc>
+              <a:spcAft>
+                <a:spcPts val="800"/>
+              </a:spcAft>
+            </a:pPr>
+            <a:r>
+              <a:rPr lang="en-US" sz="1800" dirty="0">
+                <a:effectLst/>
+                <a:latin typeface="Calibri Light" panose="020F0302020204030204" pitchFamily="34" charset="0"/>
+                <a:ea typeface="Calibri" panose="020F0502020204030204" pitchFamily="34" charset="0"/>
+                <a:cs typeface="Times New Roman" panose="02020603050405020304" pitchFamily="18" charset="0"/>
+              </a:rPr>
+              <a:t>At the mean value of BaselineBP, all treatment groups are significantly different from each other.</a:t>
+            </a:r>
+            <a:endParaRPr lang="en-IN" sz="1400" dirty="0">
+              <a:effectLst/>
+              <a:latin typeface="Calibri" panose="020F0502020204030204" pitchFamily="34" charset="0"/>
+              <a:ea typeface="Calibri" panose="020F0502020204030204" pitchFamily="34" charset="0"/>
+              <a:cs typeface="Times New Roman" panose="02020603050405020304" pitchFamily="18" charset="0"/>
+            </a:endParaRPr>
+          </a:p>
+        </p:txBody>
+      </p:sp>
+      <p:pic>
+        <p:nvPicPr>
+          <p:cNvPr id="3" name="Picture 2">
+            <a:extLst>
+              <a:ext uri="{FF2B5EF4-FFF2-40B4-BE49-F238E27FC236}">
+                <a16:creationId xmlns:a16="http://schemas.microsoft.com/office/drawing/2014/main" id="{4C7F07AC-9373-48AF-900F-0990B4378AAE}"/>
+              </a:ext>
+            </a:extLst>
+          </p:cNvPr>
+          <p:cNvPicPr>
+            <a:picLocks noChangeAspect="1"/>
+          </p:cNvPicPr>
+          <p:nvPr/>
+        </p:nvPicPr>
+        <p:blipFill>
+          <a:blip r:embed="rId2"/>
+          <a:stretch>
+            <a:fillRect/>
+          </a:stretch>
+        </p:blipFill>
+        <p:spPr>
+          <a:xfrm>
+            <a:off x="2584580" y="1334278"/>
+            <a:ext cx="5952930" cy="4488024"/>
+          </a:xfrm>
+          <a:prstGeom prst="rect">
+            <a:avLst/>
+          </a:prstGeom>
+        </p:spPr>
+      </p:pic>
+    </p:spTree>
+    <p:extLst>
+      <p:ext uri="{BB962C8B-B14F-4D97-AF65-F5344CB8AC3E}">
+        <p14:creationId xmlns:p14="http://schemas.microsoft.com/office/powerpoint/2010/main" val="1877028592"/>
+      </p:ext>
+    </p:extLst>
+  </p:cSld>
+  <p:clrMapOvr>
+    <a:masterClrMapping/>
+  </p:clrMapOvr>
+</p:sld>
+</file>
+
+<file path=ppt/slides/slide32.xml><?xml version="1.0" encoding="utf-8"?>
+<p:sld xmlns:a="http://schemas.openxmlformats.org/drawingml/2006/main" xmlns:r="http://schemas.openxmlformats.org/officeDocument/2006/relationships" xmlns:p="http://schemas.openxmlformats.org/presentationml/2006/main">
+  <p:cSld>
+    <p:bg>
+      <p:bgPr>
+        <a:gradFill>
+          <a:gsLst>
+            <a:gs pos="0">
+              <a:schemeClr val="accent1">
+                <a:lumMod val="5000"/>
+                <a:lumOff val="95000"/>
+              </a:schemeClr>
+            </a:gs>
+            <a:gs pos="74000">
+              <a:schemeClr val="accent1">
+                <a:lumMod val="45000"/>
+                <a:lumOff val="55000"/>
+              </a:schemeClr>
+            </a:gs>
+            <a:gs pos="83000">
+              <a:schemeClr val="accent1">
+                <a:lumMod val="45000"/>
+                <a:lumOff val="55000"/>
+              </a:schemeClr>
+            </a:gs>
+            <a:gs pos="100000">
+              <a:schemeClr val="accent1">
+                <a:lumMod val="30000"/>
+                <a:lumOff val="70000"/>
+              </a:schemeClr>
+            </a:gs>
+          </a:gsLst>
+          <a:lin ang="5400000" scaled="1"/>
+        </a:gradFill>
+        <a:effectLst/>
+      </p:bgPr>
+    </p:bg>
+    <p:spTree>
+      <p:nvGrpSpPr>
+        <p:cNvPr id="1" name=""/>
+        <p:cNvGrpSpPr/>
+        <p:nvPr/>
+      </p:nvGrpSpPr>
+      <p:grpSpPr>
+        <a:xfrm>
+          <a:off x="0" y="0"/>
+          <a:ext cx="0" cy="0"/>
+          <a:chOff x="0" y="0"/>
+          <a:chExt cx="0" cy="0"/>
+        </a:xfrm>
+      </p:grpSpPr>
+      <p:sp>
+        <p:nvSpPr>
+          <p:cNvPr id="4" name="Title 3"/>
+          <p:cNvSpPr>
+            <a:spLocks noGrp="1"/>
+          </p:cNvSpPr>
+          <p:nvPr>
+            <p:ph type="title"/>
+          </p:nvPr>
+        </p:nvSpPr>
+        <p:spPr/>
+        <p:txBody>
+          <a:bodyPr/>
+          <a:lstStyle/>
+          <a:p>
+            <a:r>
+              <a:rPr lang="en-US" dirty="0"/>
+              <a:t>ANCOVA Models</a:t>
+            </a:r>
+          </a:p>
+        </p:txBody>
+      </p:sp>
+      <p:sp>
+        <p:nvSpPr>
+          <p:cNvPr id="9" name="TextBox 8">
+            <a:extLst>
+              <a:ext uri="{FF2B5EF4-FFF2-40B4-BE49-F238E27FC236}">
+                <a16:creationId xmlns:a16="http://schemas.microsoft.com/office/drawing/2014/main" id="{04F9763A-2424-4751-9963-0CE83A1D42AB}"/>
+              </a:ext>
+            </a:extLst>
+          </p:cNvPr>
+          <p:cNvSpPr txBox="1"/>
+          <p:nvPr/>
+        </p:nvSpPr>
+        <p:spPr>
+          <a:xfrm>
+            <a:off x="1639855" y="6013526"/>
+            <a:ext cx="7821386" cy="375552"/>
+          </a:xfrm>
+          <a:prstGeom prst="rect">
+            <a:avLst/>
+          </a:prstGeom>
+          <a:noFill/>
+        </p:spPr>
+        <p:txBody>
+          <a:bodyPr wrap="square">
+            <a:spAutoFit/>
+          </a:bodyPr>
+          <a:lstStyle/>
+          <a:p>
+            <a:pPr>
+              <a:lnSpc>
+                <a:spcPct val="107000"/>
+              </a:lnSpc>
+              <a:spcAft>
+                <a:spcPts val="800"/>
+              </a:spcAft>
+            </a:pPr>
+            <a:r>
+              <a:rPr lang="en-US" sz="1800" dirty="0">
+                <a:effectLst/>
+                <a:latin typeface="Calibri Light" panose="020F0302020204030204" pitchFamily="34" charset="0"/>
+                <a:ea typeface="Calibri" panose="020F0502020204030204" pitchFamily="34" charset="0"/>
+                <a:cs typeface="Times New Roman" panose="02020603050405020304" pitchFamily="18" charset="0"/>
+              </a:rPr>
+              <a:t>The means for the </a:t>
+            </a:r>
+            <a:r>
+              <a:rPr lang="en-US" sz="1800" b="1" dirty="0">
+                <a:effectLst/>
+                <a:latin typeface="Calibri Light" panose="020F0302020204030204" pitchFamily="34" charset="0"/>
+                <a:ea typeface="Calibri" panose="020F0502020204030204" pitchFamily="34" charset="0"/>
+                <a:cs typeface="Times New Roman" panose="02020603050405020304" pitchFamily="18" charset="0"/>
+              </a:rPr>
+              <a:t>treatments </a:t>
+            </a:r>
+            <a:r>
+              <a:rPr lang="en-US" sz="1800" dirty="0">
+                <a:effectLst/>
+                <a:latin typeface="Calibri Light" panose="020F0302020204030204" pitchFamily="34" charset="0"/>
+                <a:ea typeface="Calibri" panose="020F0502020204030204" pitchFamily="34" charset="0"/>
+                <a:cs typeface="Times New Roman" panose="02020603050405020304" pitchFamily="18" charset="0"/>
+              </a:rPr>
+              <a:t>at the </a:t>
+            </a:r>
+            <a:r>
+              <a:rPr lang="en-US" sz="1800" b="1" dirty="0">
+                <a:effectLst/>
+                <a:latin typeface="Calibri Light" panose="020F0302020204030204" pitchFamily="34" charset="0"/>
+                <a:ea typeface="Calibri" panose="020F0502020204030204" pitchFamily="34" charset="0"/>
+                <a:cs typeface="Times New Roman" panose="02020603050405020304" pitchFamily="18" charset="0"/>
+              </a:rPr>
+              <a:t>BaselineBP = 90 </a:t>
+            </a:r>
+            <a:r>
+              <a:rPr lang="en-US" sz="1800" dirty="0">
+                <a:effectLst/>
+                <a:latin typeface="Calibri Light" panose="020F0302020204030204" pitchFamily="34" charset="0"/>
+                <a:ea typeface="Calibri" panose="020F0502020204030204" pitchFamily="34" charset="0"/>
+                <a:cs typeface="Times New Roman" panose="02020603050405020304" pitchFamily="18" charset="0"/>
+              </a:rPr>
+              <a:t>is displayed. </a:t>
+            </a:r>
+            <a:endParaRPr lang="en-IN" sz="1400" dirty="0">
+              <a:effectLst/>
+              <a:latin typeface="Calibri" panose="020F0502020204030204" pitchFamily="34" charset="0"/>
+              <a:ea typeface="Calibri" panose="020F0502020204030204" pitchFamily="34" charset="0"/>
+              <a:cs typeface="Times New Roman" panose="02020603050405020304" pitchFamily="18" charset="0"/>
+            </a:endParaRPr>
+          </a:p>
+        </p:txBody>
+      </p:sp>
+      <p:pic>
+        <p:nvPicPr>
+          <p:cNvPr id="5" name="Picture 4">
+            <a:extLst>
+              <a:ext uri="{FF2B5EF4-FFF2-40B4-BE49-F238E27FC236}">
+                <a16:creationId xmlns:a16="http://schemas.microsoft.com/office/drawing/2014/main" id="{3078135C-5B3F-4C26-8F11-D42B44EEBF25}"/>
+              </a:ext>
+            </a:extLst>
+          </p:cNvPr>
+          <p:cNvPicPr>
+            <a:picLocks noChangeAspect="1"/>
+          </p:cNvPicPr>
+          <p:nvPr/>
+        </p:nvPicPr>
+        <p:blipFill>
+          <a:blip r:embed="rId2"/>
+          <a:stretch>
+            <a:fillRect/>
+          </a:stretch>
+        </p:blipFill>
+        <p:spPr>
+          <a:xfrm>
+            <a:off x="1639855" y="1315616"/>
+            <a:ext cx="7006999" cy="4590661"/>
+          </a:xfrm>
+          <a:prstGeom prst="rect">
+            <a:avLst/>
+          </a:prstGeom>
+        </p:spPr>
+      </p:pic>
+    </p:spTree>
+    <p:extLst>
+      <p:ext uri="{BB962C8B-B14F-4D97-AF65-F5344CB8AC3E}">
+        <p14:creationId xmlns:p14="http://schemas.microsoft.com/office/powerpoint/2010/main" val="732791676"/>
+      </p:ext>
+    </p:extLst>
+  </p:cSld>
+  <p:clrMapOvr>
+    <a:masterClrMapping/>
+  </p:clrMapOvr>
+</p:sld>
+</file>
+
+<file path=ppt/slides/slide33.xml><?xml version="1.0" encoding="utf-8"?>
+<p:sld xmlns:a="http://schemas.openxmlformats.org/drawingml/2006/main" xmlns:r="http://schemas.openxmlformats.org/officeDocument/2006/relationships" xmlns:p="http://schemas.openxmlformats.org/presentationml/2006/main">
+  <p:cSld>
+    <p:bg>
+      <p:bgPr>
+        <a:gradFill>
+          <a:gsLst>
+            <a:gs pos="0">
+              <a:schemeClr val="accent1">
+                <a:lumMod val="5000"/>
+                <a:lumOff val="95000"/>
+              </a:schemeClr>
+            </a:gs>
+            <a:gs pos="74000">
+              <a:schemeClr val="accent1">
+                <a:lumMod val="45000"/>
+                <a:lumOff val="55000"/>
+              </a:schemeClr>
+            </a:gs>
+            <a:gs pos="83000">
+              <a:schemeClr val="accent1">
+                <a:lumMod val="45000"/>
+                <a:lumOff val="55000"/>
+              </a:schemeClr>
+            </a:gs>
+            <a:gs pos="100000">
+              <a:schemeClr val="accent1">
+                <a:lumMod val="30000"/>
+                <a:lumOff val="70000"/>
+              </a:schemeClr>
+            </a:gs>
+          </a:gsLst>
+          <a:lin ang="5400000" scaled="1"/>
+        </a:gradFill>
+        <a:effectLst/>
+      </p:bgPr>
+    </p:bg>
+    <p:spTree>
+      <p:nvGrpSpPr>
+        <p:cNvPr id="1" name=""/>
+        <p:cNvGrpSpPr/>
+        <p:nvPr/>
+      </p:nvGrpSpPr>
+      <p:grpSpPr>
+        <a:xfrm>
+          <a:off x="0" y="0"/>
+          <a:ext cx="0" cy="0"/>
+          <a:chOff x="0" y="0"/>
+          <a:chExt cx="0" cy="0"/>
+        </a:xfrm>
+      </p:grpSpPr>
+      <p:sp>
+        <p:nvSpPr>
+          <p:cNvPr id="4" name="Title 3"/>
+          <p:cNvSpPr>
+            <a:spLocks noGrp="1"/>
+          </p:cNvSpPr>
+          <p:nvPr>
+            <p:ph type="title"/>
+          </p:nvPr>
+        </p:nvSpPr>
+        <p:spPr/>
+        <p:txBody>
+          <a:bodyPr/>
+          <a:lstStyle/>
+          <a:p>
+            <a:r>
+              <a:rPr lang="en-US" dirty="0"/>
+              <a:t>ANCOVA Models</a:t>
+            </a:r>
+          </a:p>
+        </p:txBody>
+      </p:sp>
+      <p:sp>
+        <p:nvSpPr>
+          <p:cNvPr id="9" name="TextBox 8">
+            <a:extLst>
+              <a:ext uri="{FF2B5EF4-FFF2-40B4-BE49-F238E27FC236}">
+                <a16:creationId xmlns:a16="http://schemas.microsoft.com/office/drawing/2014/main" id="{04F9763A-2424-4751-9963-0CE83A1D42AB}"/>
+              </a:ext>
+            </a:extLst>
+          </p:cNvPr>
+          <p:cNvSpPr txBox="1"/>
+          <p:nvPr/>
+        </p:nvSpPr>
+        <p:spPr>
+          <a:xfrm>
+            <a:off x="1639855" y="6013526"/>
+            <a:ext cx="7821386" cy="671915"/>
+          </a:xfrm>
+          <a:prstGeom prst="rect">
+            <a:avLst/>
+          </a:prstGeom>
+          <a:noFill/>
+        </p:spPr>
+        <p:txBody>
+          <a:bodyPr wrap="square">
+            <a:spAutoFit/>
+          </a:bodyPr>
+          <a:lstStyle/>
+          <a:p>
+            <a:pPr>
+              <a:lnSpc>
+                <a:spcPct val="107000"/>
+              </a:lnSpc>
+              <a:spcAft>
+                <a:spcPts val="800"/>
+              </a:spcAft>
+            </a:pPr>
+            <a:r>
+              <a:rPr lang="en-US" dirty="0">
+                <a:latin typeface="Calibri Light" panose="020F0302020204030204" pitchFamily="34" charset="0"/>
+                <a:ea typeface="Calibri" panose="020F0502020204030204" pitchFamily="34" charset="0"/>
+                <a:cs typeface="Times New Roman" panose="02020603050405020304" pitchFamily="18" charset="0"/>
+              </a:rPr>
+              <a:t>When</a:t>
+            </a:r>
+            <a:r>
+              <a:rPr lang="en-US" sz="1800" dirty="0">
+                <a:effectLst/>
+                <a:latin typeface="Calibri Light" panose="020F0302020204030204" pitchFamily="34" charset="0"/>
+                <a:ea typeface="Calibri" panose="020F0502020204030204" pitchFamily="34" charset="0"/>
+                <a:cs typeface="Times New Roman" panose="02020603050405020304" pitchFamily="18" charset="0"/>
+              </a:rPr>
+              <a:t> BaselineBP = 90, Approved drug is not significantly different from </a:t>
+            </a:r>
+            <a:r>
+              <a:rPr lang="en-US" dirty="0">
+                <a:latin typeface="Calibri Light" panose="020F0302020204030204" pitchFamily="34" charset="0"/>
+                <a:ea typeface="Calibri" panose="020F0502020204030204" pitchFamily="34" charset="0"/>
+                <a:cs typeface="Times New Roman" panose="02020603050405020304" pitchFamily="18" charset="0"/>
+              </a:rPr>
+              <a:t>Placebo. However, Approved drug and </a:t>
+            </a:r>
+            <a:r>
+              <a:rPr lang="en-US" sz="1800" dirty="0">
+                <a:effectLst/>
+                <a:latin typeface="Calibri Light" panose="020F0302020204030204" pitchFamily="34" charset="0"/>
+                <a:ea typeface="Calibri" panose="020F0502020204030204" pitchFamily="34" charset="0"/>
+                <a:cs typeface="Times New Roman" panose="02020603050405020304" pitchFamily="18" charset="0"/>
+              </a:rPr>
+              <a:t>New drug are significantly different from each other.</a:t>
+            </a:r>
+            <a:endParaRPr lang="en-IN" sz="1400" dirty="0">
+              <a:effectLst/>
+              <a:latin typeface="Calibri" panose="020F0502020204030204" pitchFamily="34" charset="0"/>
+              <a:ea typeface="Calibri" panose="020F0502020204030204" pitchFamily="34" charset="0"/>
+              <a:cs typeface="Times New Roman" panose="02020603050405020304" pitchFamily="18" charset="0"/>
+            </a:endParaRPr>
+          </a:p>
+        </p:txBody>
+      </p:sp>
+      <p:pic>
+        <p:nvPicPr>
+          <p:cNvPr id="3" name="Picture 2">
+            <a:extLst>
+              <a:ext uri="{FF2B5EF4-FFF2-40B4-BE49-F238E27FC236}">
+                <a16:creationId xmlns:a16="http://schemas.microsoft.com/office/drawing/2014/main" id="{20755353-5EC5-406A-92DB-E9BA369FD5C3}"/>
+              </a:ext>
+            </a:extLst>
+          </p:cNvPr>
+          <p:cNvPicPr>
+            <a:picLocks noChangeAspect="1"/>
+          </p:cNvPicPr>
+          <p:nvPr/>
+        </p:nvPicPr>
+        <p:blipFill>
+          <a:blip r:embed="rId2"/>
+          <a:stretch>
+            <a:fillRect/>
+          </a:stretch>
+        </p:blipFill>
+        <p:spPr>
+          <a:xfrm>
+            <a:off x="2278659" y="1399591"/>
+            <a:ext cx="5559056" cy="4497355"/>
+          </a:xfrm>
+          <a:prstGeom prst="rect">
+            <a:avLst/>
+          </a:prstGeom>
+        </p:spPr>
+      </p:pic>
+    </p:spTree>
+    <p:extLst>
+      <p:ext uri="{BB962C8B-B14F-4D97-AF65-F5344CB8AC3E}">
+        <p14:creationId xmlns:p14="http://schemas.microsoft.com/office/powerpoint/2010/main" val="3434097613"/>
+      </p:ext>
+    </p:extLst>
+  </p:cSld>
+  <p:clrMapOvr>
+    <a:masterClrMapping/>
+  </p:clrMapOvr>
+</p:sld>
+</file>
+
+<file path=ppt/slides/slide34.xml><?xml version="1.0" encoding="utf-8"?>
+<p:sld xmlns:a="http://schemas.openxmlformats.org/drawingml/2006/main" xmlns:r="http://schemas.openxmlformats.org/officeDocument/2006/relationships" xmlns:p="http://schemas.openxmlformats.org/presentationml/2006/main">
+  <p:cSld>
+    <p:bg>
+      <p:bgPr>
+        <a:gradFill>
+          <a:gsLst>
+            <a:gs pos="0">
+              <a:schemeClr val="accent1">
+                <a:lumMod val="5000"/>
+                <a:lumOff val="95000"/>
+              </a:schemeClr>
+            </a:gs>
+            <a:gs pos="74000">
+              <a:schemeClr val="accent1">
+                <a:lumMod val="45000"/>
+                <a:lumOff val="55000"/>
+              </a:schemeClr>
+            </a:gs>
+            <a:gs pos="83000">
+              <a:schemeClr val="accent1">
+                <a:lumMod val="45000"/>
+                <a:lumOff val="55000"/>
+              </a:schemeClr>
+            </a:gs>
+            <a:gs pos="100000">
+              <a:schemeClr val="accent1">
+                <a:lumMod val="30000"/>
+                <a:lumOff val="70000"/>
+              </a:schemeClr>
+            </a:gs>
+          </a:gsLst>
+          <a:lin ang="5400000" scaled="1"/>
+        </a:gradFill>
+        <a:effectLst/>
+      </p:bgPr>
+    </p:bg>
+    <p:spTree>
+      <p:nvGrpSpPr>
+        <p:cNvPr id="1" name=""/>
+        <p:cNvGrpSpPr/>
+        <p:nvPr/>
+      </p:nvGrpSpPr>
+      <p:grpSpPr>
+        <a:xfrm>
+          <a:off x="0" y="0"/>
+          <a:ext cx="0" cy="0"/>
+          <a:chOff x="0" y="0"/>
+          <a:chExt cx="0" cy="0"/>
+        </a:xfrm>
+      </p:grpSpPr>
+      <p:sp>
+        <p:nvSpPr>
+          <p:cNvPr id="4" name="Title 3"/>
+          <p:cNvSpPr>
+            <a:spLocks noGrp="1"/>
+          </p:cNvSpPr>
+          <p:nvPr>
+            <p:ph type="title"/>
+          </p:nvPr>
+        </p:nvSpPr>
+        <p:spPr/>
+        <p:txBody>
+          <a:bodyPr/>
+          <a:lstStyle/>
+          <a:p>
+            <a:r>
+              <a:rPr lang="en-US" dirty="0"/>
+              <a:t>ANCOVA Models</a:t>
+            </a:r>
+          </a:p>
+        </p:txBody>
+      </p:sp>
+      <p:sp>
+        <p:nvSpPr>
+          <p:cNvPr id="9" name="TextBox 8">
+            <a:extLst>
+              <a:ext uri="{FF2B5EF4-FFF2-40B4-BE49-F238E27FC236}">
+                <a16:creationId xmlns:a16="http://schemas.microsoft.com/office/drawing/2014/main" id="{04F9763A-2424-4751-9963-0CE83A1D42AB}"/>
+              </a:ext>
+            </a:extLst>
+          </p:cNvPr>
+          <p:cNvSpPr txBox="1"/>
+          <p:nvPr/>
+        </p:nvSpPr>
+        <p:spPr>
+          <a:xfrm>
+            <a:off x="1639855" y="6117323"/>
+            <a:ext cx="7821386" cy="375552"/>
+          </a:xfrm>
+          <a:prstGeom prst="rect">
+            <a:avLst/>
+          </a:prstGeom>
+          <a:noFill/>
+        </p:spPr>
+        <p:txBody>
+          <a:bodyPr wrap="square">
+            <a:spAutoFit/>
+          </a:bodyPr>
+          <a:lstStyle/>
+          <a:p>
+            <a:pPr>
+              <a:lnSpc>
+                <a:spcPct val="107000"/>
+              </a:lnSpc>
+              <a:spcAft>
+                <a:spcPts val="800"/>
+              </a:spcAft>
+            </a:pPr>
+            <a:r>
+              <a:rPr lang="en-US" sz="1800" dirty="0">
+                <a:effectLst/>
+                <a:latin typeface="Calibri Light" panose="020F0302020204030204" pitchFamily="34" charset="0"/>
+                <a:ea typeface="Calibri" panose="020F0502020204030204" pitchFamily="34" charset="0"/>
+                <a:cs typeface="Times New Roman" panose="02020603050405020304" pitchFamily="18" charset="0"/>
+              </a:rPr>
+              <a:t>The means for the </a:t>
+            </a:r>
+            <a:r>
+              <a:rPr lang="en-US" sz="1800" b="1" dirty="0">
+                <a:effectLst/>
+                <a:latin typeface="Calibri Light" panose="020F0302020204030204" pitchFamily="34" charset="0"/>
+                <a:ea typeface="Calibri" panose="020F0502020204030204" pitchFamily="34" charset="0"/>
+                <a:cs typeface="Times New Roman" panose="02020603050405020304" pitchFamily="18" charset="0"/>
+              </a:rPr>
+              <a:t>treatments </a:t>
+            </a:r>
+            <a:r>
+              <a:rPr lang="en-US" sz="1800" dirty="0">
+                <a:effectLst/>
+                <a:latin typeface="Calibri Light" panose="020F0302020204030204" pitchFamily="34" charset="0"/>
+                <a:ea typeface="Calibri" panose="020F0502020204030204" pitchFamily="34" charset="0"/>
+                <a:cs typeface="Times New Roman" panose="02020603050405020304" pitchFamily="18" charset="0"/>
+              </a:rPr>
+              <a:t>at the </a:t>
+            </a:r>
+            <a:r>
+              <a:rPr lang="en-US" sz="1800" b="1" dirty="0">
+                <a:effectLst/>
+                <a:latin typeface="Calibri Light" panose="020F0302020204030204" pitchFamily="34" charset="0"/>
+                <a:ea typeface="Calibri" panose="020F0502020204030204" pitchFamily="34" charset="0"/>
+                <a:cs typeface="Times New Roman" panose="02020603050405020304" pitchFamily="18" charset="0"/>
+              </a:rPr>
+              <a:t>BaselineBP = </a:t>
+            </a:r>
+            <a:r>
+              <a:rPr lang="en-US" b="1" dirty="0">
+                <a:latin typeface="Calibri Light" panose="020F0302020204030204" pitchFamily="34" charset="0"/>
+                <a:ea typeface="Calibri" panose="020F0502020204030204" pitchFamily="34" charset="0"/>
+                <a:cs typeface="Times New Roman" panose="02020603050405020304" pitchFamily="18" charset="0"/>
+              </a:rPr>
+              <a:t>100</a:t>
+            </a:r>
+            <a:r>
+              <a:rPr lang="en-US" sz="1800" b="1" dirty="0">
+                <a:effectLst/>
+                <a:latin typeface="Calibri Light" panose="020F0302020204030204" pitchFamily="34" charset="0"/>
+                <a:ea typeface="Calibri" panose="020F0502020204030204" pitchFamily="34" charset="0"/>
+                <a:cs typeface="Times New Roman" panose="02020603050405020304" pitchFamily="18" charset="0"/>
+              </a:rPr>
+              <a:t> </a:t>
+            </a:r>
+            <a:r>
+              <a:rPr lang="en-US" sz="1800" dirty="0">
+                <a:effectLst/>
+                <a:latin typeface="Calibri Light" panose="020F0302020204030204" pitchFamily="34" charset="0"/>
+                <a:ea typeface="Calibri" panose="020F0502020204030204" pitchFamily="34" charset="0"/>
+                <a:cs typeface="Times New Roman" panose="02020603050405020304" pitchFamily="18" charset="0"/>
+              </a:rPr>
+              <a:t>is displayed. </a:t>
+            </a:r>
+            <a:endParaRPr lang="en-IN" sz="1400" dirty="0">
+              <a:effectLst/>
+              <a:latin typeface="Calibri" panose="020F0502020204030204" pitchFamily="34" charset="0"/>
+              <a:ea typeface="Calibri" panose="020F0502020204030204" pitchFamily="34" charset="0"/>
+              <a:cs typeface="Times New Roman" panose="02020603050405020304" pitchFamily="18" charset="0"/>
+            </a:endParaRPr>
+          </a:p>
+        </p:txBody>
+      </p:sp>
+      <p:pic>
+        <p:nvPicPr>
+          <p:cNvPr id="3" name="Picture 2">
+            <a:extLst>
+              <a:ext uri="{FF2B5EF4-FFF2-40B4-BE49-F238E27FC236}">
+                <a16:creationId xmlns:a16="http://schemas.microsoft.com/office/drawing/2014/main" id="{C1D5FF04-9D2C-4D54-987B-CD1577AC2A43}"/>
+              </a:ext>
+            </a:extLst>
+          </p:cNvPr>
+          <p:cNvPicPr>
+            <a:picLocks noChangeAspect="1"/>
+          </p:cNvPicPr>
+          <p:nvPr/>
+        </p:nvPicPr>
+        <p:blipFill>
+          <a:blip r:embed="rId2"/>
+          <a:stretch>
+            <a:fillRect/>
+          </a:stretch>
+        </p:blipFill>
+        <p:spPr>
+          <a:xfrm>
+            <a:off x="1730927" y="1404203"/>
+            <a:ext cx="7282446" cy="4609323"/>
+          </a:xfrm>
+          <a:prstGeom prst="rect">
+            <a:avLst/>
+          </a:prstGeom>
+        </p:spPr>
+      </p:pic>
+    </p:spTree>
+    <p:extLst>
+      <p:ext uri="{BB962C8B-B14F-4D97-AF65-F5344CB8AC3E}">
+        <p14:creationId xmlns:p14="http://schemas.microsoft.com/office/powerpoint/2010/main" val="3298026275"/>
+      </p:ext>
+    </p:extLst>
+  </p:cSld>
+  <p:clrMapOvr>
+    <a:masterClrMapping/>
+  </p:clrMapOvr>
+</p:sld>
+</file>
+
+<file path=ppt/slides/slide35.xml><?xml version="1.0" encoding="utf-8"?>
+<p:sld xmlns:a="http://schemas.openxmlformats.org/drawingml/2006/main" xmlns:r="http://schemas.openxmlformats.org/officeDocument/2006/relationships" xmlns:p="http://schemas.openxmlformats.org/presentationml/2006/main">
+  <p:cSld>
+    <p:bg>
+      <p:bgPr>
+        <a:gradFill>
+          <a:gsLst>
+            <a:gs pos="0">
+              <a:schemeClr val="accent1">
+                <a:lumMod val="5000"/>
+                <a:lumOff val="95000"/>
+              </a:schemeClr>
+            </a:gs>
+            <a:gs pos="74000">
+              <a:schemeClr val="accent1">
+                <a:lumMod val="45000"/>
+                <a:lumOff val="55000"/>
+              </a:schemeClr>
+            </a:gs>
+            <a:gs pos="83000">
+              <a:schemeClr val="accent1">
+                <a:lumMod val="45000"/>
+                <a:lumOff val="55000"/>
+              </a:schemeClr>
+            </a:gs>
+            <a:gs pos="100000">
+              <a:schemeClr val="accent1">
+                <a:lumMod val="30000"/>
+                <a:lumOff val="70000"/>
+              </a:schemeClr>
+            </a:gs>
+          </a:gsLst>
+          <a:lin ang="5400000" scaled="1"/>
+        </a:gradFill>
+        <a:effectLst/>
+      </p:bgPr>
+    </p:bg>
+    <p:spTree>
+      <p:nvGrpSpPr>
+        <p:cNvPr id="1" name=""/>
+        <p:cNvGrpSpPr/>
+        <p:nvPr/>
+      </p:nvGrpSpPr>
+      <p:grpSpPr>
+        <a:xfrm>
+          <a:off x="0" y="0"/>
+          <a:ext cx="0" cy="0"/>
+          <a:chOff x="0" y="0"/>
+          <a:chExt cx="0" cy="0"/>
+        </a:xfrm>
+      </p:grpSpPr>
+      <p:sp>
+        <p:nvSpPr>
+          <p:cNvPr id="4" name="Title 3"/>
+          <p:cNvSpPr>
+            <a:spLocks noGrp="1"/>
+          </p:cNvSpPr>
+          <p:nvPr>
+            <p:ph type="title"/>
+          </p:nvPr>
+        </p:nvSpPr>
+        <p:spPr/>
+        <p:txBody>
+          <a:bodyPr/>
+          <a:lstStyle/>
+          <a:p>
+            <a:r>
+              <a:rPr lang="en-US" dirty="0"/>
+              <a:t>ANCOVA Models</a:t>
+            </a:r>
+          </a:p>
+        </p:txBody>
+      </p:sp>
+      <p:pic>
+        <p:nvPicPr>
+          <p:cNvPr id="5" name="Picture 4">
+            <a:extLst>
+              <a:ext uri="{FF2B5EF4-FFF2-40B4-BE49-F238E27FC236}">
+                <a16:creationId xmlns:a16="http://schemas.microsoft.com/office/drawing/2014/main" id="{FC41F722-146F-4319-BC7A-027AAF72FC6B}"/>
+              </a:ext>
+            </a:extLst>
+          </p:cNvPr>
+          <p:cNvPicPr>
+            <a:picLocks noChangeAspect="1"/>
+          </p:cNvPicPr>
+          <p:nvPr/>
+        </p:nvPicPr>
+        <p:blipFill>
+          <a:blip r:embed="rId2"/>
+          <a:stretch>
+            <a:fillRect/>
+          </a:stretch>
+        </p:blipFill>
+        <p:spPr>
+          <a:xfrm>
+            <a:off x="838200" y="1446245"/>
+            <a:ext cx="8872246" cy="5225143"/>
+          </a:xfrm>
+          <a:prstGeom prst="rect">
+            <a:avLst/>
+          </a:prstGeom>
+        </p:spPr>
+      </p:pic>
+    </p:spTree>
+    <p:extLst>
+      <p:ext uri="{BB962C8B-B14F-4D97-AF65-F5344CB8AC3E}">
+        <p14:creationId xmlns:p14="http://schemas.microsoft.com/office/powerpoint/2010/main" val="1589141658"/>
       </p:ext>
     </p:extLst>
   </p:cSld>
